--- a/Manuale.pptx
+++ b/Manuale.pptx
@@ -6,6 +6,8 @@
   </p:sldMasterIdLst>
   <p:sldIdLst>
     <p:sldId id="256" r:id="rId2"/>
+    <p:sldId id="257" r:id="rId3"/>
+    <p:sldId id="258" r:id="rId4"/>
   </p:sldIdLst>
   <p:sldSz cx="12192000" cy="6858000"/>
   <p:notesSz cx="6858000" cy="9144000"/>
@@ -104,6 +106,11 @@
       </a:defRPr>
     </a:lvl9pPr>
   </p:defaultTextStyle>
+  <p:extLst>
+    <p:ext uri="{EFAFB233-063F-42B5-8137-9DF3F51BA10A}">
+      <p15:sldGuideLst xmlns:p15="http://schemas.microsoft.com/office/powerpoint/2012/main"/>
+    </p:ext>
+  </p:extLst>
 </p:presentation>
 </file>
 
@@ -254,7 +261,7 @@
           <a:p>
             <a:fld id="{5F510117-CE12-4183-B54D-F54DA82EB913}" type="datetimeFigureOut">
               <a:rPr lang="it-IT" smtClean="0"/>
-              <a:t>14/10/2024</a:t>
+              <a:t>20/10/24</a:t>
             </a:fld>
             <a:endParaRPr lang="it-IT"/>
           </a:p>
@@ -452,7 +459,7 @@
           <a:p>
             <a:fld id="{5F510117-CE12-4183-B54D-F54DA82EB913}" type="datetimeFigureOut">
               <a:rPr lang="it-IT" smtClean="0"/>
-              <a:t>14/10/2024</a:t>
+              <a:t>20/10/24</a:t>
             </a:fld>
             <a:endParaRPr lang="it-IT"/>
           </a:p>
@@ -660,7 +667,7 @@
           <a:p>
             <a:fld id="{5F510117-CE12-4183-B54D-F54DA82EB913}" type="datetimeFigureOut">
               <a:rPr lang="it-IT" smtClean="0"/>
-              <a:t>14/10/2024</a:t>
+              <a:t>20/10/24</a:t>
             </a:fld>
             <a:endParaRPr lang="it-IT"/>
           </a:p>
@@ -858,7 +865,7 @@
           <a:p>
             <a:fld id="{5F510117-CE12-4183-B54D-F54DA82EB913}" type="datetimeFigureOut">
               <a:rPr lang="it-IT" smtClean="0"/>
-              <a:t>14/10/2024</a:t>
+              <a:t>20/10/24</a:t>
             </a:fld>
             <a:endParaRPr lang="it-IT"/>
           </a:p>
@@ -1133,7 +1140,7 @@
           <a:p>
             <a:fld id="{5F510117-CE12-4183-B54D-F54DA82EB913}" type="datetimeFigureOut">
               <a:rPr lang="it-IT" smtClean="0"/>
-              <a:t>14/10/2024</a:t>
+              <a:t>20/10/24</a:t>
             </a:fld>
             <a:endParaRPr lang="it-IT"/>
           </a:p>
@@ -1398,7 +1405,7 @@
           <a:p>
             <a:fld id="{5F510117-CE12-4183-B54D-F54DA82EB913}" type="datetimeFigureOut">
               <a:rPr lang="it-IT" smtClean="0"/>
-              <a:t>14/10/2024</a:t>
+              <a:t>20/10/24</a:t>
             </a:fld>
             <a:endParaRPr lang="it-IT"/>
           </a:p>
@@ -1810,7 +1817,7 @@
           <a:p>
             <a:fld id="{5F510117-CE12-4183-B54D-F54DA82EB913}" type="datetimeFigureOut">
               <a:rPr lang="it-IT" smtClean="0"/>
-              <a:t>14/10/2024</a:t>
+              <a:t>20/10/24</a:t>
             </a:fld>
             <a:endParaRPr lang="it-IT"/>
           </a:p>
@@ -1951,7 +1958,7 @@
           <a:p>
             <a:fld id="{5F510117-CE12-4183-B54D-F54DA82EB913}" type="datetimeFigureOut">
               <a:rPr lang="it-IT" smtClean="0"/>
-              <a:t>14/10/2024</a:t>
+              <a:t>20/10/24</a:t>
             </a:fld>
             <a:endParaRPr lang="it-IT"/>
           </a:p>
@@ -2064,7 +2071,7 @@
           <a:p>
             <a:fld id="{5F510117-CE12-4183-B54D-F54DA82EB913}" type="datetimeFigureOut">
               <a:rPr lang="it-IT" smtClean="0"/>
-              <a:t>14/10/2024</a:t>
+              <a:t>20/10/24</a:t>
             </a:fld>
             <a:endParaRPr lang="it-IT"/>
           </a:p>
@@ -2375,7 +2382,7 @@
           <a:p>
             <a:fld id="{5F510117-CE12-4183-B54D-F54DA82EB913}" type="datetimeFigureOut">
               <a:rPr lang="it-IT" smtClean="0"/>
-              <a:t>14/10/2024</a:t>
+              <a:t>20/10/24</a:t>
             </a:fld>
             <a:endParaRPr lang="it-IT"/>
           </a:p>
@@ -2663,7 +2670,7 @@
           <a:p>
             <a:fld id="{5F510117-CE12-4183-B54D-F54DA82EB913}" type="datetimeFigureOut">
               <a:rPr lang="it-IT" smtClean="0"/>
-              <a:t>14/10/2024</a:t>
+              <a:t>20/10/24</a:t>
             </a:fld>
             <a:endParaRPr lang="it-IT"/>
           </a:p>
@@ -2904,7 +2911,7 @@
           <a:p>
             <a:fld id="{5F510117-CE12-4183-B54D-F54DA82EB913}" type="datetimeFigureOut">
               <a:rPr lang="it-IT" smtClean="0"/>
-              <a:t>14/10/2024</a:t>
+              <a:t>20/10/24</a:t>
             </a:fld>
             <a:endParaRPr lang="it-IT"/>
           </a:p>
@@ -3342,7 +3349,10 @@
           <a:bodyPr/>
           <a:lstStyle/>
           <a:p>
-            <a:endParaRPr lang="it-IT"/>
+            <a:r>
+              <a:rPr lang="it-IT" dirty="0"/>
+              <a:t>Manuale</a:t>
+            </a:r>
           </a:p>
         </p:txBody>
       </p:sp>
@@ -3362,12 +3372,26 @@
             <p:ph type="subTitle" idx="1"/>
           </p:nvPr>
         </p:nvSpPr>
-        <p:spPr/>
-        <p:txBody>
-          <a:bodyPr/>
-          <a:lstStyle/>
-          <a:p>
-            <a:endParaRPr lang="it-IT"/>
+        <p:spPr>
+          <a:xfrm>
+            <a:off x="1524000" y="3429000"/>
+            <a:ext cx="9144000" cy="457200"/>
+          </a:xfrm>
+        </p:spPr>
+        <p:txBody>
+          <a:bodyPr>
+            <a:normAutofit/>
+          </a:bodyPr>
+          <a:lstStyle/>
+          <a:p>
+            <a:r>
+              <a:rPr lang="it-IT" dirty="0" err="1"/>
+              <a:t>Git</a:t>
+            </a:r>
+            <a:r>
+              <a:rPr lang="it-IT" dirty="0"/>
+              <a:t> hub </a:t>
+            </a:r>
           </a:p>
         </p:txBody>
       </p:sp>
@@ -3375,6 +3399,457 @@
     <p:extLst>
       <p:ext uri="{BB962C8B-B14F-4D97-AF65-F5344CB8AC3E}">
         <p14:creationId xmlns:p14="http://schemas.microsoft.com/office/powerpoint/2010/main" val="3704722109"/>
+      </p:ext>
+    </p:extLst>
+  </p:cSld>
+  <p:clrMapOvr>
+    <a:masterClrMapping/>
+  </p:clrMapOvr>
+</p:sld>
+</file>
+
+<file path=ppt/slides/slide2.xml><?xml version="1.0" encoding="utf-8"?>
+<p:sld xmlns:a="http://schemas.openxmlformats.org/drawingml/2006/main" xmlns:r="http://schemas.openxmlformats.org/officeDocument/2006/relationships" xmlns:p="http://schemas.openxmlformats.org/presentationml/2006/main">
+  <p:cSld>
+    <p:spTree>
+      <p:nvGrpSpPr>
+        <p:cNvPr id="1" name=""/>
+        <p:cNvGrpSpPr/>
+        <p:nvPr/>
+      </p:nvGrpSpPr>
+      <p:grpSpPr>
+        <a:xfrm>
+          <a:off x="0" y="0"/>
+          <a:ext cx="0" cy="0"/>
+          <a:chOff x="0" y="0"/>
+          <a:chExt cx="0" cy="0"/>
+        </a:xfrm>
+      </p:grpSpPr>
+      <p:sp>
+        <p:nvSpPr>
+          <p:cNvPr id="2" name="Titolo 1">
+            <a:extLst>
+              <a:ext uri="{FF2B5EF4-FFF2-40B4-BE49-F238E27FC236}">
+                <a16:creationId xmlns:a16="http://schemas.microsoft.com/office/drawing/2014/main" id="{2469228E-5350-22A3-3E46-CF7DE3990288}"/>
+              </a:ext>
+            </a:extLst>
+          </p:cNvPr>
+          <p:cNvSpPr>
+            <a:spLocks noGrp="1"/>
+          </p:cNvSpPr>
+          <p:nvPr>
+            <p:ph type="title"/>
+          </p:nvPr>
+        </p:nvSpPr>
+        <p:spPr>
+          <a:xfrm>
+            <a:off x="838200" y="365126"/>
+            <a:ext cx="10515600" cy="1066110"/>
+          </a:xfrm>
+        </p:spPr>
+        <p:txBody>
+          <a:bodyPr>
+            <a:normAutofit/>
+          </a:bodyPr>
+          <a:lstStyle/>
+          <a:p>
+            <a:r>
+              <a:rPr lang="it-IT" sz="3200" dirty="0"/>
+              <a:t>Definizione di un repository locale:</a:t>
+            </a:r>
+            <a:br>
+              <a:rPr lang="it-IT" sz="3200" dirty="0"/>
+            </a:br>
+            <a:endParaRPr lang="it-IT" sz="3200" dirty="0"/>
+          </a:p>
+        </p:txBody>
+      </p:sp>
+      <p:sp>
+        <p:nvSpPr>
+          <p:cNvPr id="3" name="CasellaDiTesto 2">
+            <a:extLst>
+              <a:ext uri="{FF2B5EF4-FFF2-40B4-BE49-F238E27FC236}">
+                <a16:creationId xmlns:a16="http://schemas.microsoft.com/office/drawing/2014/main" id="{46BA46B6-7B13-48EC-A094-FE572A424CA1}"/>
+              </a:ext>
+            </a:extLst>
+          </p:cNvPr>
+          <p:cNvSpPr txBox="1"/>
+          <p:nvPr/>
+        </p:nvSpPr>
+        <p:spPr>
+          <a:xfrm>
+            <a:off x="838201" y="1012752"/>
+            <a:ext cx="10353260" cy="1754326"/>
+          </a:xfrm>
+          <a:prstGeom prst="rect">
+            <a:avLst/>
+          </a:prstGeom>
+          <a:noFill/>
+        </p:spPr>
+        <p:txBody>
+          <a:bodyPr wrap="square" rtlCol="0">
+            <a:spAutoFit/>
+          </a:bodyPr>
+          <a:lstStyle/>
+          <a:p>
+            <a:pPr marL="342900" indent="-342900">
+              <a:buFont typeface="+mj-lt"/>
+              <a:buAutoNum type="arabicPeriod"/>
+            </a:pPr>
+            <a:r>
+              <a:rPr lang="it-IT" dirty="0"/>
+              <a:t>Creare un nuovo repository su </a:t>
+            </a:r>
+            <a:r>
+              <a:rPr lang="it-IT" dirty="0" err="1"/>
+              <a:t>git</a:t>
+            </a:r>
+            <a:r>
+              <a:rPr lang="it-IT" dirty="0"/>
+              <a:t> hub con «new repository»;</a:t>
+            </a:r>
+          </a:p>
+          <a:p>
+            <a:pPr marL="342900" indent="-342900">
+              <a:buFont typeface="+mj-lt"/>
+              <a:buAutoNum type="arabicPeriod"/>
+            </a:pPr>
+            <a:r>
+              <a:rPr lang="it-IT" dirty="0"/>
+              <a:t>Comando da terminale </a:t>
+            </a:r>
+            <a:r>
+              <a:rPr lang="it-IT" dirty="0" err="1"/>
+              <a:t>git</a:t>
+            </a:r>
+            <a:r>
+              <a:rPr lang="it-IT" dirty="0"/>
+              <a:t> </a:t>
+            </a:r>
+            <a:r>
+              <a:rPr lang="it-IT" dirty="0" err="1"/>
+              <a:t>init</a:t>
+            </a:r>
+            <a:r>
+              <a:rPr lang="it-IT" dirty="0"/>
+              <a:t>;</a:t>
+            </a:r>
+          </a:p>
+          <a:p>
+            <a:pPr marL="342900" indent="-342900">
+              <a:buFont typeface="+mj-lt"/>
+              <a:buAutoNum type="arabicPeriod"/>
+            </a:pPr>
+            <a:r>
+              <a:rPr lang="it-IT" dirty="0"/>
+              <a:t>Per collegare il repository creato : </a:t>
+            </a:r>
+            <a:r>
+              <a:rPr lang="it-IT" dirty="0" err="1"/>
+              <a:t>git</a:t>
+            </a:r>
+            <a:r>
+              <a:rPr lang="it-IT" dirty="0"/>
+              <a:t> remote </a:t>
+            </a:r>
+            <a:r>
+              <a:rPr lang="it-IT" dirty="0" err="1"/>
+              <a:t>add</a:t>
+            </a:r>
+            <a:r>
+              <a:rPr lang="it-IT" dirty="0"/>
+              <a:t> </a:t>
+            </a:r>
+            <a:r>
+              <a:rPr lang="it-IT" dirty="0" err="1"/>
+              <a:t>origin</a:t>
+            </a:r>
+            <a:r>
+              <a:rPr lang="it-IT" dirty="0"/>
+              <a:t> </a:t>
+            </a:r>
+            <a:r>
+              <a:rPr lang="it-IT" dirty="0">
+                <a:hlinkClick r:id="rId2"/>
+              </a:rPr>
+              <a:t>https://github.com/username/progetto.git</a:t>
+            </a:r>
+            <a:r>
+              <a:rPr lang="it-IT" dirty="0"/>
+              <a:t> (URL del repository creato);</a:t>
+            </a:r>
+          </a:p>
+          <a:p>
+            <a:pPr marL="342900" indent="-342900">
+              <a:buFont typeface="+mj-lt"/>
+              <a:buAutoNum type="arabicPeriod"/>
+            </a:pPr>
+            <a:endParaRPr lang="it-IT" dirty="0"/>
+          </a:p>
+          <a:p>
+            <a:pPr marL="342900" indent="-342900">
+              <a:buFont typeface="+mj-lt"/>
+              <a:buAutoNum type="arabicPeriod"/>
+            </a:pPr>
+            <a:endParaRPr lang="it-IT" dirty="0"/>
+          </a:p>
+        </p:txBody>
+      </p:sp>
+    </p:spTree>
+    <p:extLst>
+      <p:ext uri="{BB962C8B-B14F-4D97-AF65-F5344CB8AC3E}">
+        <p14:creationId xmlns:p14="http://schemas.microsoft.com/office/powerpoint/2010/main" val="1496804354"/>
+      </p:ext>
+    </p:extLst>
+  </p:cSld>
+  <p:clrMapOvr>
+    <a:masterClrMapping/>
+  </p:clrMapOvr>
+</p:sld>
+</file>
+
+<file path=ppt/slides/slide3.xml><?xml version="1.0" encoding="utf-8"?>
+<p:sld xmlns:a="http://schemas.openxmlformats.org/drawingml/2006/main" xmlns:r="http://schemas.openxmlformats.org/officeDocument/2006/relationships" xmlns:p="http://schemas.openxmlformats.org/presentationml/2006/main">
+  <p:cSld>
+    <p:spTree>
+      <p:nvGrpSpPr>
+        <p:cNvPr id="1" name=""/>
+        <p:cNvGrpSpPr/>
+        <p:nvPr/>
+      </p:nvGrpSpPr>
+      <p:grpSpPr>
+        <a:xfrm>
+          <a:off x="0" y="0"/>
+          <a:ext cx="0" cy="0"/>
+          <a:chOff x="0" y="0"/>
+          <a:chExt cx="0" cy="0"/>
+        </a:xfrm>
+      </p:grpSpPr>
+      <p:sp>
+        <p:nvSpPr>
+          <p:cNvPr id="2" name="Titolo 1">
+            <a:extLst>
+              <a:ext uri="{FF2B5EF4-FFF2-40B4-BE49-F238E27FC236}">
+                <a16:creationId xmlns:a16="http://schemas.microsoft.com/office/drawing/2014/main" id="{B4F23332-0604-E7EF-7474-A08ECD060DC0}"/>
+              </a:ext>
+            </a:extLst>
+          </p:cNvPr>
+          <p:cNvSpPr>
+            <a:spLocks noGrp="1"/>
+          </p:cNvSpPr>
+          <p:nvPr>
+            <p:ph type="title"/>
+          </p:nvPr>
+        </p:nvSpPr>
+        <p:spPr>
+          <a:xfrm>
+            <a:off x="838200" y="365126"/>
+            <a:ext cx="10515600" cy="907084"/>
+          </a:xfrm>
+        </p:spPr>
+        <p:txBody>
+          <a:bodyPr>
+            <a:normAutofit fontScale="90000"/>
+          </a:bodyPr>
+          <a:lstStyle/>
+          <a:p>
+            <a:r>
+              <a:rPr lang="it-IT" sz="3200" dirty="0"/>
+              <a:t>Procedure di </a:t>
+            </a:r>
+            <a:r>
+              <a:rPr lang="it-IT" sz="3200" dirty="0" err="1"/>
+              <a:t>push</a:t>
+            </a:r>
+            <a:r>
+              <a:rPr lang="it-IT" sz="3200" dirty="0"/>
+              <a:t> e pull:</a:t>
+            </a:r>
+            <a:br>
+              <a:rPr lang="it-IT" sz="3200" dirty="0"/>
+            </a:br>
+            <a:endParaRPr lang="it-IT" sz="3200" dirty="0"/>
+          </a:p>
+        </p:txBody>
+      </p:sp>
+      <p:sp>
+        <p:nvSpPr>
+          <p:cNvPr id="3" name="CasellaDiTesto 2">
+            <a:extLst>
+              <a:ext uri="{FF2B5EF4-FFF2-40B4-BE49-F238E27FC236}">
+                <a16:creationId xmlns:a16="http://schemas.microsoft.com/office/drawing/2014/main" id="{15AB2951-9810-A780-16DC-C48F34DC0BBD}"/>
+              </a:ext>
+            </a:extLst>
+          </p:cNvPr>
+          <p:cNvSpPr txBox="1"/>
+          <p:nvPr/>
+        </p:nvSpPr>
+        <p:spPr>
+          <a:xfrm>
+            <a:off x="838199" y="993913"/>
+            <a:ext cx="10515599" cy="2308324"/>
+          </a:xfrm>
+          <a:prstGeom prst="rect">
+            <a:avLst/>
+          </a:prstGeom>
+          <a:noFill/>
+        </p:spPr>
+        <p:txBody>
+          <a:bodyPr wrap="square" rtlCol="0">
+            <a:spAutoFit/>
+          </a:bodyPr>
+          <a:lstStyle/>
+          <a:p>
+            <a:r>
+              <a:rPr lang="it-IT" dirty="0"/>
+              <a:t>Per caricare dei file nel repository bisogna utilizzare questi comandi </a:t>
+            </a:r>
+          </a:p>
+          <a:p>
+            <a:pPr marL="342900" indent="-342900">
+              <a:buAutoNum type="arabicPeriod"/>
+            </a:pPr>
+            <a:r>
+              <a:rPr lang="it-IT" dirty="0" err="1"/>
+              <a:t>git</a:t>
+            </a:r>
+            <a:r>
+              <a:rPr lang="it-IT" dirty="0"/>
+              <a:t> </a:t>
+            </a:r>
+            <a:r>
+              <a:rPr lang="it-IT" dirty="0" err="1"/>
+              <a:t>add</a:t>
+            </a:r>
+            <a:r>
+              <a:rPr lang="it-IT" dirty="0"/>
+              <a:t> </a:t>
+            </a:r>
+            <a:r>
+              <a:rPr lang="it-IT" dirty="0" err="1"/>
+              <a:t>nomefile</a:t>
+            </a:r>
+            <a:endParaRPr lang="it-IT" dirty="0"/>
+          </a:p>
+          <a:p>
+            <a:pPr marL="342900" indent="-342900">
+              <a:buAutoNum type="arabicPeriod"/>
+            </a:pPr>
+            <a:r>
+              <a:rPr lang="it-IT" dirty="0" err="1"/>
+              <a:t>git</a:t>
+            </a:r>
+            <a:r>
+              <a:rPr lang="it-IT" dirty="0"/>
+              <a:t> </a:t>
+            </a:r>
+            <a:r>
+              <a:rPr lang="it-IT" dirty="0" err="1"/>
+              <a:t>commit</a:t>
+            </a:r>
+            <a:r>
+              <a:rPr lang="it-IT" dirty="0"/>
+              <a:t> -m «messaggio» (per tenere traccia di ciò che è stato fatto)</a:t>
+            </a:r>
+          </a:p>
+          <a:p>
+            <a:pPr marL="342900" indent="-342900">
+              <a:buAutoNum type="arabicPeriod"/>
+            </a:pPr>
+            <a:r>
+              <a:rPr lang="it-IT" dirty="0" err="1"/>
+              <a:t>git</a:t>
+            </a:r>
+            <a:r>
+              <a:rPr lang="it-IT" dirty="0"/>
+              <a:t> </a:t>
+            </a:r>
+            <a:r>
+              <a:rPr lang="it-IT" dirty="0" err="1"/>
+              <a:t>push</a:t>
+            </a:r>
+            <a:r>
+              <a:rPr lang="it-IT" dirty="0"/>
+              <a:t> </a:t>
+            </a:r>
+            <a:r>
+              <a:rPr lang="it-IT" dirty="0" err="1"/>
+              <a:t>origin</a:t>
+            </a:r>
+            <a:r>
+              <a:rPr lang="it-IT" dirty="0"/>
+              <a:t> </a:t>
+            </a:r>
+            <a:r>
+              <a:rPr lang="it-IT" dirty="0" err="1"/>
+              <a:t>main</a:t>
+            </a:r>
+            <a:r>
+              <a:rPr lang="it-IT" dirty="0"/>
+              <a:t> (per caricare le modifiche fatte)</a:t>
+            </a:r>
+          </a:p>
+          <a:p>
+            <a:endParaRPr lang="it-IT" dirty="0"/>
+          </a:p>
+          <a:p>
+            <a:r>
+              <a:rPr lang="it-IT" dirty="0"/>
+              <a:t>Se si vuole lavorare con un repository già esistente, prima dei precedenti comandi bisogna :</a:t>
+            </a:r>
+          </a:p>
+          <a:p>
+            <a:pPr marL="342900" indent="-342900">
+              <a:buAutoNum type="arabicPeriod"/>
+            </a:pPr>
+            <a:r>
+              <a:rPr lang="it-IT" dirty="0" err="1"/>
+              <a:t>git</a:t>
+            </a:r>
+            <a:r>
+              <a:rPr lang="it-IT" dirty="0"/>
+              <a:t> clone </a:t>
+            </a:r>
+            <a:r>
+              <a:rPr lang="it-IT" dirty="0">
+                <a:hlinkClick r:id="rId2"/>
+              </a:rPr>
+              <a:t>https://github.com/username/progetto.git</a:t>
+            </a:r>
+            <a:endParaRPr lang="it-IT" dirty="0"/>
+          </a:p>
+          <a:p>
+            <a:pPr marL="342900" indent="-342900">
+              <a:buAutoNum type="arabicPeriod"/>
+            </a:pPr>
+            <a:r>
+              <a:rPr lang="it-IT" dirty="0" err="1"/>
+              <a:t>git</a:t>
+            </a:r>
+            <a:r>
+              <a:rPr lang="it-IT" dirty="0"/>
+              <a:t> pull </a:t>
+            </a:r>
+            <a:r>
+              <a:rPr lang="it-IT" dirty="0" err="1"/>
+              <a:t>origin</a:t>
+            </a:r>
+            <a:r>
+              <a:rPr lang="it-IT" dirty="0"/>
+              <a:t> </a:t>
+            </a:r>
+            <a:r>
+              <a:rPr lang="it-IT" dirty="0" err="1"/>
+              <a:t>main</a:t>
+            </a:r>
+            <a:endParaRPr lang="it-IT" dirty="0"/>
+          </a:p>
+        </p:txBody>
+      </p:sp>
+    </p:spTree>
+    <p:extLst>
+      <p:ext uri="{BB962C8B-B14F-4D97-AF65-F5344CB8AC3E}">
+        <p14:creationId xmlns:p14="http://schemas.microsoft.com/office/powerpoint/2010/main" val="3327441586"/>
       </p:ext>
     </p:extLst>
   </p:cSld>

--- a/Manuale.pptx
+++ b/Manuale.pptx
@@ -7,7 +7,13 @@
   <p:sldIdLst>
     <p:sldId id="256" r:id="rId2"/>
     <p:sldId id="257" r:id="rId3"/>
-    <p:sldId id="258" r:id="rId4"/>
+    <p:sldId id="259" r:id="rId4"/>
+    <p:sldId id="258" r:id="rId5"/>
+    <p:sldId id="260" r:id="rId6"/>
+    <p:sldId id="261" r:id="rId7"/>
+    <p:sldId id="262" r:id="rId8"/>
+    <p:sldId id="263" r:id="rId9"/>
+    <p:sldId id="264" r:id="rId10"/>
   </p:sldIdLst>
   <p:sldSz cx="12192000" cy="6858000"/>
   <p:notesSz cx="6858000" cy="9144000"/>
@@ -261,7 +267,7 @@
           <a:p>
             <a:fld id="{5F510117-CE12-4183-B54D-F54DA82EB913}" type="datetimeFigureOut">
               <a:rPr lang="it-IT" smtClean="0"/>
-              <a:t>20/10/24</a:t>
+              <a:t>27/10/24</a:t>
             </a:fld>
             <a:endParaRPr lang="it-IT"/>
           </a:p>
@@ -459,7 +465,7 @@
           <a:p>
             <a:fld id="{5F510117-CE12-4183-B54D-F54DA82EB913}" type="datetimeFigureOut">
               <a:rPr lang="it-IT" smtClean="0"/>
-              <a:t>20/10/24</a:t>
+              <a:t>27/10/24</a:t>
             </a:fld>
             <a:endParaRPr lang="it-IT"/>
           </a:p>
@@ -667,7 +673,7 @@
           <a:p>
             <a:fld id="{5F510117-CE12-4183-B54D-F54DA82EB913}" type="datetimeFigureOut">
               <a:rPr lang="it-IT" smtClean="0"/>
-              <a:t>20/10/24</a:t>
+              <a:t>27/10/24</a:t>
             </a:fld>
             <a:endParaRPr lang="it-IT"/>
           </a:p>
@@ -865,7 +871,7 @@
           <a:p>
             <a:fld id="{5F510117-CE12-4183-B54D-F54DA82EB913}" type="datetimeFigureOut">
               <a:rPr lang="it-IT" smtClean="0"/>
-              <a:t>20/10/24</a:t>
+              <a:t>27/10/24</a:t>
             </a:fld>
             <a:endParaRPr lang="it-IT"/>
           </a:p>
@@ -1140,7 +1146,7 @@
           <a:p>
             <a:fld id="{5F510117-CE12-4183-B54D-F54DA82EB913}" type="datetimeFigureOut">
               <a:rPr lang="it-IT" smtClean="0"/>
-              <a:t>20/10/24</a:t>
+              <a:t>27/10/24</a:t>
             </a:fld>
             <a:endParaRPr lang="it-IT"/>
           </a:p>
@@ -1405,7 +1411,7 @@
           <a:p>
             <a:fld id="{5F510117-CE12-4183-B54D-F54DA82EB913}" type="datetimeFigureOut">
               <a:rPr lang="it-IT" smtClean="0"/>
-              <a:t>20/10/24</a:t>
+              <a:t>27/10/24</a:t>
             </a:fld>
             <a:endParaRPr lang="it-IT"/>
           </a:p>
@@ -1817,7 +1823,7 @@
           <a:p>
             <a:fld id="{5F510117-CE12-4183-B54D-F54DA82EB913}" type="datetimeFigureOut">
               <a:rPr lang="it-IT" smtClean="0"/>
-              <a:t>20/10/24</a:t>
+              <a:t>27/10/24</a:t>
             </a:fld>
             <a:endParaRPr lang="it-IT"/>
           </a:p>
@@ -1958,7 +1964,7 @@
           <a:p>
             <a:fld id="{5F510117-CE12-4183-B54D-F54DA82EB913}" type="datetimeFigureOut">
               <a:rPr lang="it-IT" smtClean="0"/>
-              <a:t>20/10/24</a:t>
+              <a:t>27/10/24</a:t>
             </a:fld>
             <a:endParaRPr lang="it-IT"/>
           </a:p>
@@ -2071,7 +2077,7 @@
           <a:p>
             <a:fld id="{5F510117-CE12-4183-B54D-F54DA82EB913}" type="datetimeFigureOut">
               <a:rPr lang="it-IT" smtClean="0"/>
-              <a:t>20/10/24</a:t>
+              <a:t>27/10/24</a:t>
             </a:fld>
             <a:endParaRPr lang="it-IT"/>
           </a:p>
@@ -2382,7 +2388,7 @@
           <a:p>
             <a:fld id="{5F510117-CE12-4183-B54D-F54DA82EB913}" type="datetimeFigureOut">
               <a:rPr lang="it-IT" smtClean="0"/>
-              <a:t>20/10/24</a:t>
+              <a:t>27/10/24</a:t>
             </a:fld>
             <a:endParaRPr lang="it-IT"/>
           </a:p>
@@ -2670,7 +2676,7 @@
           <a:p>
             <a:fld id="{5F510117-CE12-4183-B54D-F54DA82EB913}" type="datetimeFigureOut">
               <a:rPr lang="it-IT" smtClean="0"/>
-              <a:t>20/10/24</a:t>
+              <a:t>27/10/24</a:t>
             </a:fld>
             <a:endParaRPr lang="it-IT"/>
           </a:p>
@@ -2911,7 +2917,7 @@
           <a:p>
             <a:fld id="{5F510117-CE12-4183-B54D-F54DA82EB913}" type="datetimeFigureOut">
               <a:rPr lang="it-IT" smtClean="0"/>
-              <a:t>20/10/24</a:t>
+              <a:t>27/10/24</a:t>
             </a:fld>
             <a:endParaRPr lang="it-IT"/>
           </a:p>
@@ -3350,9 +3356,10 @@
           <a:lstStyle/>
           <a:p>
             <a:r>
-              <a:rPr lang="it-IT" dirty="0"/>
+              <a:rPr lang="it-IT"/>
               <a:t>Manuale</a:t>
             </a:r>
+            <a:endParaRPr lang="it-IT" dirty="0"/>
           </a:p>
         </p:txBody>
       </p:sp>
@@ -3385,13 +3392,10 @@
           <a:lstStyle/>
           <a:p>
             <a:r>
-              <a:rPr lang="it-IT" dirty="0" err="1"/>
-              <a:t>Git</a:t>
-            </a:r>
-            <a:r>
-              <a:rPr lang="it-IT" dirty="0"/>
-              <a:t> hub </a:t>
-            </a:r>
+              <a:rPr lang="it-IT"/>
+              <a:t>Git hub </a:t>
+            </a:r>
+            <a:endParaRPr lang="it-IT" dirty="0"/>
           </a:p>
         </p:txBody>
       </p:sp>
@@ -3411,6 +3415,14 @@
 <file path=ppt/slides/slide2.xml><?xml version="1.0" encoding="utf-8"?>
 <p:sld xmlns:a="http://schemas.openxmlformats.org/drawingml/2006/main" xmlns:r="http://schemas.openxmlformats.org/officeDocument/2006/relationships" xmlns:p="http://schemas.openxmlformats.org/presentationml/2006/main">
   <p:cSld>
+    <p:bg>
+      <p:bgPr>
+        <a:solidFill>
+          <a:schemeClr val="bg1"/>
+        </a:solidFill>
+        <a:effectLst/>
+      </p:bgPr>
+    </p:bg>
     <p:spTree>
       <p:nvGrpSpPr>
         <p:cNvPr id="1" name=""/>
@@ -3425,176 +3437,604 @@
           <a:chExt cx="0" cy="0"/>
         </a:xfrm>
       </p:grpSpPr>
-      <p:sp>
-        <p:nvSpPr>
-          <p:cNvPr id="2" name="Titolo 1">
-            <a:extLst>
-              <a:ext uri="{FF2B5EF4-FFF2-40B4-BE49-F238E27FC236}">
-                <a16:creationId xmlns:a16="http://schemas.microsoft.com/office/drawing/2014/main" id="{2469228E-5350-22A3-3E46-CF7DE3990288}"/>
-              </a:ext>
-            </a:extLst>
-          </p:cNvPr>
-          <p:cNvSpPr>
-            <a:spLocks noGrp="1"/>
-          </p:cNvSpPr>
-          <p:nvPr>
-            <p:ph type="title"/>
+      <p:sp useBgFill="1">
+        <p:nvSpPr>
+          <p:cNvPr id="13" name="Rectangle 8">
+            <a:extLst>
+              <a:ext uri="{FF2B5EF4-FFF2-40B4-BE49-F238E27FC236}">
+                <a16:creationId xmlns:a16="http://schemas.microsoft.com/office/drawing/2014/main" id="{F13C74B1-5B17-4795-BED0-7140497B445A}"/>
+              </a:ext>
+              <a:ext uri="{C183D7F6-B498-43B3-948B-1728B52AA6E4}">
+                <adec:decorative xmlns:adec="http://schemas.microsoft.com/office/drawing/2017/decorative" val="1"/>
+              </a:ext>
+            </a:extLst>
+          </p:cNvPr>
+          <p:cNvSpPr>
+            <a:spLocks noGrp="1" noRot="1" noChangeAspect="1" noMove="1" noResize="1" noEditPoints="1" noAdjustHandles="1" noChangeArrowheads="1" noChangeShapeType="1" noTextEdit="1"/>
+          </p:cNvSpPr>
+          <p:nvPr>
+            <p:extLst>
+              <p:ext uri="{386F3935-93C4-4BCD-93E2-E3B085C9AB24}">
+                <p16:designElem xmlns:p16="http://schemas.microsoft.com/office/powerpoint/2015/main" val="1"/>
+              </p:ext>
+            </p:extLst>
           </p:nvPr>
         </p:nvSpPr>
         <p:spPr>
           <a:xfrm>
-            <a:off x="838200" y="365126"/>
-            <a:ext cx="10515600" cy="1066110"/>
-          </a:xfrm>
-        </p:spPr>
-        <p:txBody>
-          <a:bodyPr>
-            <a:normAutofit/>
-          </a:bodyPr>
-          <a:lstStyle/>
-          <a:p>
-            <a:r>
-              <a:rPr lang="it-IT" sz="3200" dirty="0"/>
-              <a:t>Definizione di un repository locale:</a:t>
-            </a:r>
-            <a:br>
-              <a:rPr lang="it-IT" sz="3200" dirty="0"/>
-            </a:br>
-            <a:endParaRPr lang="it-IT" sz="3200" dirty="0"/>
-          </a:p>
-        </p:txBody>
-      </p:sp>
-      <p:sp>
-        <p:nvSpPr>
-          <p:cNvPr id="3" name="CasellaDiTesto 2">
-            <a:extLst>
-              <a:ext uri="{FF2B5EF4-FFF2-40B4-BE49-F238E27FC236}">
-                <a16:creationId xmlns:a16="http://schemas.microsoft.com/office/drawing/2014/main" id="{46BA46B6-7B13-48EC-A094-FE572A424CA1}"/>
-              </a:ext>
-            </a:extLst>
-          </p:cNvPr>
-          <p:cNvSpPr txBox="1"/>
-          <p:nvPr/>
-        </p:nvSpPr>
-        <p:spPr>
-          <a:xfrm>
-            <a:off x="838201" y="1012752"/>
-            <a:ext cx="10353260" cy="1754326"/>
+            <a:off x="0" y="0"/>
+            <a:ext cx="12188952" cy="6858000"/>
           </a:xfrm>
           <a:prstGeom prst="rect">
             <a:avLst/>
           </a:prstGeom>
-          <a:noFill/>
+          <a:ln>
+            <a:noFill/>
+          </a:ln>
         </p:spPr>
-        <p:txBody>
-          <a:bodyPr wrap="square" rtlCol="0">
-            <a:spAutoFit/>
+        <p:style>
+          <a:lnRef idx="2">
+            <a:schemeClr val="accent1">
+              <a:shade val="50000"/>
+            </a:schemeClr>
+          </a:lnRef>
+          <a:fillRef idx="1">
+            <a:schemeClr val="accent1"/>
+          </a:fillRef>
+          <a:effectRef idx="0">
+            <a:schemeClr val="accent1"/>
+          </a:effectRef>
+          <a:fontRef idx="minor">
+            <a:schemeClr val="lt1"/>
+          </a:fontRef>
+        </p:style>
+        <p:txBody>
+          <a:bodyPr rtlCol="0" anchor="ctr"/>
+          <a:lstStyle/>
+          <a:p>
+            <a:pPr algn="ctr"/>
+            <a:endParaRPr lang="en-US"/>
+          </a:p>
+        </p:txBody>
+      </p:sp>
+      <p:sp>
+        <p:nvSpPr>
+          <p:cNvPr id="2" name="Titolo 1">
+            <a:extLst>
+              <a:ext uri="{FF2B5EF4-FFF2-40B4-BE49-F238E27FC236}">
+                <a16:creationId xmlns:a16="http://schemas.microsoft.com/office/drawing/2014/main" id="{2469228E-5350-22A3-3E46-CF7DE3990288}"/>
+              </a:ext>
+            </a:extLst>
+          </p:cNvPr>
+          <p:cNvSpPr>
+            <a:spLocks noGrp="1"/>
+          </p:cNvSpPr>
+          <p:nvPr>
+            <p:ph type="title"/>
+          </p:nvPr>
+        </p:nvSpPr>
+        <p:spPr>
+          <a:xfrm>
+            <a:off x="640080" y="325369"/>
+            <a:ext cx="4368602" cy="1956841"/>
+          </a:xfrm>
+        </p:spPr>
+        <p:txBody>
+          <a:bodyPr vert="horz" lIns="91440" tIns="45720" rIns="91440" bIns="45720" rtlCol="0" anchor="b">
+            <a:normAutofit/>
           </a:bodyPr>
           <a:lstStyle/>
           <a:p>
-            <a:pPr marL="342900" indent="-342900">
-              <a:buFont typeface="+mj-lt"/>
-              <a:buAutoNum type="arabicPeriod"/>
+            <a:r>
+              <a:rPr lang="en-US" sz="4200" dirty="0" err="1"/>
+              <a:t>Creazione</a:t>
+            </a:r>
+            <a:r>
+              <a:rPr lang="en-US" sz="4200" dirty="0"/>
+              <a:t> di un repository locale:</a:t>
+            </a:r>
+            <a:br>
+              <a:rPr lang="en-US" sz="4200" dirty="0"/>
+            </a:br>
+            <a:endParaRPr lang="en-US" sz="4200" dirty="0"/>
+          </a:p>
+        </p:txBody>
+      </p:sp>
+      <p:sp>
+        <p:nvSpPr>
+          <p:cNvPr id="14" name="sketchy line">
+            <a:extLst>
+              <a:ext uri="{FF2B5EF4-FFF2-40B4-BE49-F238E27FC236}">
+                <a16:creationId xmlns:a16="http://schemas.microsoft.com/office/drawing/2014/main" id="{D4974D33-8DC5-464E-8C6D-BE58F0669C17}"/>
+              </a:ext>
+              <a:ext uri="{C183D7F6-B498-43B3-948B-1728B52AA6E4}">
+                <adec:decorative xmlns:adec="http://schemas.microsoft.com/office/drawing/2017/decorative" val="1"/>
+              </a:ext>
+            </a:extLst>
+          </p:cNvPr>
+          <p:cNvSpPr>
+            <a:spLocks noGrp="1" noRot="1" noChangeAspect="1" noMove="1" noResize="1" noEditPoints="1" noAdjustHandles="1" noChangeArrowheads="1" noChangeShapeType="1" noTextEdit="1"/>
+          </p:cNvSpPr>
+          <p:nvPr>
+            <p:extLst>
+              <p:ext uri="{386F3935-93C4-4BCD-93E2-E3B085C9AB24}">
+                <p16:designElem xmlns:p16="http://schemas.microsoft.com/office/powerpoint/2015/main" val="1"/>
+              </p:ext>
+            </p:extLst>
+          </p:nvPr>
+        </p:nvSpPr>
+        <p:spPr>
+          <a:xfrm>
+            <a:off x="640080" y="2586994"/>
+            <a:ext cx="3474720" cy="18288"/>
+          </a:xfrm>
+          <a:custGeom>
+            <a:avLst/>
+            <a:gdLst>
+              <a:gd name="connsiteX0" fmla="*/ 0 w 3474720"/>
+              <a:gd name="connsiteY0" fmla="*/ 0 h 18288"/>
+              <a:gd name="connsiteX1" fmla="*/ 694944 w 3474720"/>
+              <a:gd name="connsiteY1" fmla="*/ 0 h 18288"/>
+              <a:gd name="connsiteX2" fmla="*/ 1355141 w 3474720"/>
+              <a:gd name="connsiteY2" fmla="*/ 0 h 18288"/>
+              <a:gd name="connsiteX3" fmla="*/ 2015338 w 3474720"/>
+              <a:gd name="connsiteY3" fmla="*/ 0 h 18288"/>
+              <a:gd name="connsiteX4" fmla="*/ 2779776 w 3474720"/>
+              <a:gd name="connsiteY4" fmla="*/ 0 h 18288"/>
+              <a:gd name="connsiteX5" fmla="*/ 3474720 w 3474720"/>
+              <a:gd name="connsiteY5" fmla="*/ 0 h 18288"/>
+              <a:gd name="connsiteX6" fmla="*/ 3474720 w 3474720"/>
+              <a:gd name="connsiteY6" fmla="*/ 18288 h 18288"/>
+              <a:gd name="connsiteX7" fmla="*/ 2779776 w 3474720"/>
+              <a:gd name="connsiteY7" fmla="*/ 18288 h 18288"/>
+              <a:gd name="connsiteX8" fmla="*/ 2189074 w 3474720"/>
+              <a:gd name="connsiteY8" fmla="*/ 18288 h 18288"/>
+              <a:gd name="connsiteX9" fmla="*/ 1528877 w 3474720"/>
+              <a:gd name="connsiteY9" fmla="*/ 18288 h 18288"/>
+              <a:gd name="connsiteX10" fmla="*/ 868680 w 3474720"/>
+              <a:gd name="connsiteY10" fmla="*/ 18288 h 18288"/>
+              <a:gd name="connsiteX11" fmla="*/ 0 w 3474720"/>
+              <a:gd name="connsiteY11" fmla="*/ 18288 h 18288"/>
+              <a:gd name="connsiteX12" fmla="*/ 0 w 3474720"/>
+              <a:gd name="connsiteY12" fmla="*/ 0 h 18288"/>
+            </a:gdLst>
+            <a:ahLst/>
+            <a:cxnLst>
+              <a:cxn ang="0">
+                <a:pos x="connsiteX0" y="connsiteY0"/>
+              </a:cxn>
+              <a:cxn ang="0">
+                <a:pos x="connsiteX1" y="connsiteY1"/>
+              </a:cxn>
+              <a:cxn ang="0">
+                <a:pos x="connsiteX2" y="connsiteY2"/>
+              </a:cxn>
+              <a:cxn ang="0">
+                <a:pos x="connsiteX3" y="connsiteY3"/>
+              </a:cxn>
+              <a:cxn ang="0">
+                <a:pos x="connsiteX4" y="connsiteY4"/>
+              </a:cxn>
+              <a:cxn ang="0">
+                <a:pos x="connsiteX5" y="connsiteY5"/>
+              </a:cxn>
+              <a:cxn ang="0">
+                <a:pos x="connsiteX6" y="connsiteY6"/>
+              </a:cxn>
+              <a:cxn ang="0">
+                <a:pos x="connsiteX7" y="connsiteY7"/>
+              </a:cxn>
+              <a:cxn ang="0">
+                <a:pos x="connsiteX8" y="connsiteY8"/>
+              </a:cxn>
+              <a:cxn ang="0">
+                <a:pos x="connsiteX9" y="connsiteY9"/>
+              </a:cxn>
+              <a:cxn ang="0">
+                <a:pos x="connsiteX10" y="connsiteY10"/>
+              </a:cxn>
+              <a:cxn ang="0">
+                <a:pos x="connsiteX11" y="connsiteY11"/>
+              </a:cxn>
+              <a:cxn ang="0">
+                <a:pos x="connsiteX12" y="connsiteY12"/>
+              </a:cxn>
+            </a:cxnLst>
+            <a:rect l="l" t="t" r="r" b="b"/>
+            <a:pathLst>
+              <a:path w="3474720" h="18288" fill="none" extrusionOk="0">
+                <a:moveTo>
+                  <a:pt x="0" y="0"/>
+                </a:moveTo>
+                <a:cubicBezTo>
+                  <a:pt x="224454" y="-14544"/>
+                  <a:pt x="495407" y="26540"/>
+                  <a:pt x="694944" y="0"/>
+                </a:cubicBezTo>
+                <a:cubicBezTo>
+                  <a:pt x="894481" y="-26540"/>
+                  <a:pt x="1130063" y="24713"/>
+                  <a:pt x="1355141" y="0"/>
+                </a:cubicBezTo>
+                <a:cubicBezTo>
+                  <a:pt x="1580219" y="-24713"/>
+                  <a:pt x="1820099" y="26695"/>
+                  <a:pt x="2015338" y="0"/>
+                </a:cubicBezTo>
+                <a:cubicBezTo>
+                  <a:pt x="2210577" y="-26695"/>
+                  <a:pt x="2402045" y="165"/>
+                  <a:pt x="2779776" y="0"/>
+                </a:cubicBezTo>
+                <a:cubicBezTo>
+                  <a:pt x="3157507" y="-165"/>
+                  <a:pt x="3286859" y="-15571"/>
+                  <a:pt x="3474720" y="0"/>
+                </a:cubicBezTo>
+                <a:cubicBezTo>
+                  <a:pt x="3474286" y="7551"/>
+                  <a:pt x="3474253" y="9822"/>
+                  <a:pt x="3474720" y="18288"/>
+                </a:cubicBezTo>
+                <a:cubicBezTo>
+                  <a:pt x="3233904" y="29845"/>
+                  <a:pt x="2945134" y="-5256"/>
+                  <a:pt x="2779776" y="18288"/>
+                </a:cubicBezTo>
+                <a:cubicBezTo>
+                  <a:pt x="2614418" y="41832"/>
+                  <a:pt x="2339768" y="22709"/>
+                  <a:pt x="2189074" y="18288"/>
+                </a:cubicBezTo>
+                <a:cubicBezTo>
+                  <a:pt x="2038380" y="13867"/>
+                  <a:pt x="1817434" y="-4947"/>
+                  <a:pt x="1528877" y="18288"/>
+                </a:cubicBezTo>
+                <a:cubicBezTo>
+                  <a:pt x="1240320" y="41523"/>
+                  <a:pt x="1042447" y="37198"/>
+                  <a:pt x="868680" y="18288"/>
+                </a:cubicBezTo>
+                <a:cubicBezTo>
+                  <a:pt x="694913" y="-622"/>
+                  <a:pt x="233232" y="44909"/>
+                  <a:pt x="0" y="18288"/>
+                </a:cubicBezTo>
+                <a:cubicBezTo>
+                  <a:pt x="60" y="11696"/>
+                  <a:pt x="66" y="3758"/>
+                  <a:pt x="0" y="0"/>
+                </a:cubicBezTo>
+                <a:close/>
+              </a:path>
+              <a:path w="3474720" h="18288" stroke="0" extrusionOk="0">
+                <a:moveTo>
+                  <a:pt x="0" y="0"/>
+                </a:moveTo>
+                <a:cubicBezTo>
+                  <a:pt x="202328" y="-14716"/>
+                  <a:pt x="332722" y="-11499"/>
+                  <a:pt x="625450" y="0"/>
+                </a:cubicBezTo>
+                <a:cubicBezTo>
+                  <a:pt x="918178" y="11499"/>
+                  <a:pt x="1096688" y="5123"/>
+                  <a:pt x="1389888" y="0"/>
+                </a:cubicBezTo>
+                <a:cubicBezTo>
+                  <a:pt x="1683088" y="-5123"/>
+                  <a:pt x="1835981" y="-14038"/>
+                  <a:pt x="1980590" y="0"/>
+                </a:cubicBezTo>
+                <a:cubicBezTo>
+                  <a:pt x="2125199" y="14038"/>
+                  <a:pt x="2396099" y="-7203"/>
+                  <a:pt x="2571293" y="0"/>
+                </a:cubicBezTo>
+                <a:cubicBezTo>
+                  <a:pt x="2746487" y="7203"/>
+                  <a:pt x="3041609" y="-12036"/>
+                  <a:pt x="3474720" y="0"/>
+                </a:cubicBezTo>
+                <a:cubicBezTo>
+                  <a:pt x="3474638" y="4406"/>
+                  <a:pt x="3474631" y="9982"/>
+                  <a:pt x="3474720" y="18288"/>
+                </a:cubicBezTo>
+                <a:cubicBezTo>
+                  <a:pt x="3324873" y="21876"/>
+                  <a:pt x="3136771" y="12587"/>
+                  <a:pt x="2814523" y="18288"/>
+                </a:cubicBezTo>
+                <a:cubicBezTo>
+                  <a:pt x="2492275" y="23989"/>
+                  <a:pt x="2294402" y="47111"/>
+                  <a:pt x="2154326" y="18288"/>
+                </a:cubicBezTo>
+                <a:cubicBezTo>
+                  <a:pt x="2014250" y="-10535"/>
+                  <a:pt x="1820317" y="33903"/>
+                  <a:pt x="1494130" y="18288"/>
+                </a:cubicBezTo>
+                <a:cubicBezTo>
+                  <a:pt x="1167943" y="2673"/>
+                  <a:pt x="948432" y="14868"/>
+                  <a:pt x="729691" y="18288"/>
+                </a:cubicBezTo>
+                <a:cubicBezTo>
+                  <a:pt x="510950" y="21708"/>
+                  <a:pt x="264032" y="24354"/>
+                  <a:pt x="0" y="18288"/>
+                </a:cubicBezTo>
+                <a:cubicBezTo>
+                  <a:pt x="189" y="14288"/>
+                  <a:pt x="-703" y="3747"/>
+                  <a:pt x="0" y="0"/>
+                </a:cubicBezTo>
+                <a:close/>
+              </a:path>
+            </a:pathLst>
+          </a:custGeom>
+          <a:solidFill>
+            <a:schemeClr val="accent2"/>
+          </a:solidFill>
+          <a:ln w="44450" cap="rnd">
+            <a:solidFill>
+              <a:schemeClr val="accent2"/>
+            </a:solidFill>
+            <a:round/>
+            <a:extLst>
+              <a:ext uri="{C807C97D-BFC1-408E-A445-0C87EB9F89A2}">
+                <ask:lineSketchStyleProps xmlns:ask="http://schemas.microsoft.com/office/drawing/2018/sketchyshapes" sd="2863741219">
+                  <a:prstGeom prst="rect">
+                    <a:avLst/>
+                  </a:prstGeom>
+                  <ask:type>
+                    <ask:lineSketchFreehand/>
+                  </ask:type>
+                </ask:lineSketchStyleProps>
+              </a:ext>
+            </a:extLst>
+          </a:ln>
+        </p:spPr>
+        <p:style>
+          <a:lnRef idx="2">
+            <a:schemeClr val="accent1">
+              <a:shade val="50000"/>
+            </a:schemeClr>
+          </a:lnRef>
+          <a:fillRef idx="1">
+            <a:schemeClr val="accent1"/>
+          </a:fillRef>
+          <a:effectRef idx="0">
+            <a:schemeClr val="accent1"/>
+          </a:effectRef>
+          <a:fontRef idx="minor">
+            <a:schemeClr val="lt1"/>
+          </a:fontRef>
+        </p:style>
+        <p:txBody>
+          <a:bodyPr rtlCol="0" anchor="ctr"/>
+          <a:lstStyle/>
+          <a:p>
+            <a:pPr algn="ctr"/>
+            <a:endParaRPr lang="en-US"/>
+          </a:p>
+        </p:txBody>
+      </p:sp>
+      <p:sp>
+        <p:nvSpPr>
+          <p:cNvPr id="3" name="CasellaDiTesto 2">
+            <a:extLst>
+              <a:ext uri="{FF2B5EF4-FFF2-40B4-BE49-F238E27FC236}">
+                <a16:creationId xmlns:a16="http://schemas.microsoft.com/office/drawing/2014/main" id="{46BA46B6-7B13-48EC-A094-FE572A424CA1}"/>
+              </a:ext>
+            </a:extLst>
+          </p:cNvPr>
+          <p:cNvSpPr txBox="1"/>
+          <p:nvPr/>
+        </p:nvSpPr>
+        <p:spPr>
+          <a:xfrm>
+            <a:off x="640080" y="2872899"/>
+            <a:ext cx="4243589" cy="3320668"/>
+          </a:xfrm>
+          <a:prstGeom prst="rect">
+            <a:avLst/>
+          </a:prstGeom>
+        </p:spPr>
+        <p:txBody>
+          <a:bodyPr vert="horz" lIns="91440" tIns="45720" rIns="91440" bIns="45720" rtlCol="0">
+            <a:normAutofit/>
+          </a:bodyPr>
+          <a:lstStyle/>
+          <a:p>
+            <a:pPr marL="114300">
+              <a:lnSpc>
+                <a:spcPct val="90000"/>
+              </a:lnSpc>
+              <a:spcAft>
+                <a:spcPts val="600"/>
+              </a:spcAft>
             </a:pPr>
             <a:r>
-              <a:rPr lang="it-IT" dirty="0"/>
-              <a:t>Creare un nuovo repository su </a:t>
-            </a:r>
-            <a:r>
-              <a:rPr lang="it-IT" dirty="0" err="1"/>
-              <a:t>git</a:t>
-            </a:r>
-            <a:r>
-              <a:rPr lang="it-IT" dirty="0"/>
-              <a:t> hub con «new repository»;</a:t>
-            </a:r>
-          </a:p>
-          <a:p>
-            <a:pPr marL="342900" indent="-342900">
-              <a:buFont typeface="+mj-lt"/>
-              <a:buAutoNum type="arabicPeriod"/>
+              <a:rPr lang="en-US" sz="2200" dirty="0"/>
+              <a:t>1. </a:t>
+            </a:r>
+            <a:r>
+              <a:rPr lang="en-US" sz="2200" dirty="0" err="1"/>
+              <a:t>Creare</a:t>
+            </a:r>
+            <a:r>
+              <a:rPr lang="en-US" sz="2200" dirty="0"/>
+              <a:t> un nuovo repository </a:t>
+            </a:r>
+            <a:r>
+              <a:rPr lang="en-US" sz="2200" dirty="0" err="1"/>
+              <a:t>su</a:t>
+            </a:r>
+            <a:r>
+              <a:rPr lang="en-US" sz="2200" dirty="0"/>
+              <a:t> git hub con «new repository»;</a:t>
+            </a:r>
+          </a:p>
+          <a:p>
+            <a:pPr marL="342900" indent="-228600">
+              <a:lnSpc>
+                <a:spcPct val="90000"/>
+              </a:lnSpc>
+              <a:spcAft>
+                <a:spcPts val="600"/>
+              </a:spcAft>
+              <a:buFont typeface="Arial" panose="020B0604020202020204" pitchFamily="34" charset="0"/>
+              <a:buChar char="•"/>
             </a:pPr>
-            <a:r>
-              <a:rPr lang="it-IT" dirty="0"/>
-              <a:t>Comando da terminale </a:t>
-            </a:r>
-            <a:r>
-              <a:rPr lang="it-IT" dirty="0" err="1"/>
-              <a:t>git</a:t>
-            </a:r>
-            <a:r>
-              <a:rPr lang="it-IT" dirty="0"/>
-              <a:t> </a:t>
-            </a:r>
-            <a:r>
-              <a:rPr lang="it-IT" dirty="0" err="1"/>
-              <a:t>init</a:t>
-            </a:r>
-            <a:r>
-              <a:rPr lang="it-IT" dirty="0"/>
-              <a:t>;</a:t>
-            </a:r>
-          </a:p>
-          <a:p>
-            <a:pPr marL="342900" indent="-342900">
-              <a:buFont typeface="+mj-lt"/>
-              <a:buAutoNum type="arabicPeriod"/>
-            </a:pPr>
-            <a:r>
-              <a:rPr lang="it-IT" dirty="0"/>
-              <a:t>Per collegare il repository creato : </a:t>
-            </a:r>
-            <a:r>
-              <a:rPr lang="it-IT" dirty="0" err="1"/>
-              <a:t>git</a:t>
-            </a:r>
-            <a:r>
-              <a:rPr lang="it-IT" dirty="0"/>
-              <a:t> remote </a:t>
-            </a:r>
-            <a:r>
-              <a:rPr lang="it-IT" dirty="0" err="1"/>
-              <a:t>add</a:t>
-            </a:r>
-            <a:r>
-              <a:rPr lang="it-IT" dirty="0"/>
-              <a:t> </a:t>
-            </a:r>
-            <a:r>
-              <a:rPr lang="it-IT" dirty="0" err="1"/>
-              <a:t>origin</a:t>
-            </a:r>
-            <a:r>
-              <a:rPr lang="it-IT" dirty="0"/>
-              <a:t> </a:t>
-            </a:r>
-            <a:r>
-              <a:rPr lang="it-IT" dirty="0">
-                <a:hlinkClick r:id="rId2"/>
-              </a:rPr>
-              <a:t>https://github.com/username/progetto.git</a:t>
-            </a:r>
-            <a:r>
-              <a:rPr lang="it-IT" dirty="0"/>
-              <a:t> (URL del repository creato);</a:t>
-            </a:r>
-          </a:p>
-          <a:p>
-            <a:pPr marL="342900" indent="-342900">
-              <a:buFont typeface="+mj-lt"/>
-              <a:buAutoNum type="arabicPeriod"/>
-            </a:pPr>
-            <a:endParaRPr lang="it-IT" dirty="0"/>
-          </a:p>
-          <a:p>
-            <a:pPr marL="342900" indent="-342900">
-              <a:buFont typeface="+mj-lt"/>
-              <a:buAutoNum type="arabicPeriod"/>
-            </a:pPr>
-            <a:endParaRPr lang="it-IT" dirty="0"/>
-          </a:p>
-        </p:txBody>
-      </p:sp>
+            <a:endParaRPr lang="en-US" sz="2200" dirty="0"/>
+          </a:p>
+        </p:txBody>
+      </p:sp>
+      <p:pic>
+        <p:nvPicPr>
+          <p:cNvPr id="4" name="Immagine 3">
+            <a:extLst>
+              <a:ext uri="{FF2B5EF4-FFF2-40B4-BE49-F238E27FC236}">
+                <a16:creationId xmlns:a16="http://schemas.microsoft.com/office/drawing/2014/main" id="{93DDBFBB-189B-92D5-5FEB-3B0B0D4E24DD}"/>
+              </a:ext>
+            </a:extLst>
+          </p:cNvPr>
+          <p:cNvPicPr>
+            <a:picLocks noChangeAspect="1"/>
+          </p:cNvPicPr>
+          <p:nvPr/>
+        </p:nvPicPr>
+        <p:blipFill>
+          <a:blip r:embed="rId2"/>
+          <a:srcRect l="15645" r="35457" b="-1"/>
+          <a:stretch/>
+        </p:blipFill>
+        <p:spPr>
+          <a:xfrm>
+            <a:off x="5313225" y="10"/>
+            <a:ext cx="6878775" cy="6857990"/>
+          </a:xfrm>
+          <a:custGeom>
+            <a:avLst/>
+            <a:gdLst/>
+            <a:ahLst/>
+            <a:cxnLst/>
+            <a:rect l="l" t="t" r="r" b="b"/>
+            <a:pathLst>
+              <a:path w="6878775" h="6858000">
+                <a:moveTo>
+                  <a:pt x="1102973" y="0"/>
+                </a:moveTo>
+                <a:lnTo>
+                  <a:pt x="1160688" y="0"/>
+                </a:lnTo>
+                <a:lnTo>
+                  <a:pt x="983189" y="331786"/>
+                </a:lnTo>
+                <a:cubicBezTo>
+                  <a:pt x="914866" y="469145"/>
+                  <a:pt x="850355" y="608712"/>
+                  <a:pt x="789261" y="750263"/>
+                </a:cubicBezTo>
+                <a:cubicBezTo>
+                  <a:pt x="774307" y="784928"/>
+                  <a:pt x="759992" y="819849"/>
+                  <a:pt x="745295" y="854514"/>
+                </a:cubicBezTo>
+                <a:cubicBezTo>
+                  <a:pt x="756682" y="845393"/>
+                  <a:pt x="765489" y="833492"/>
+                  <a:pt x="770857" y="819975"/>
+                </a:cubicBezTo>
+                <a:cubicBezTo>
+                  <a:pt x="879943" y="589569"/>
+                  <a:pt x="999605" y="365513"/>
+                  <a:pt x="1131329" y="148742"/>
+                </a:cubicBezTo>
+                <a:lnTo>
+                  <a:pt x="1227589" y="0"/>
+                </a:lnTo>
+                <a:lnTo>
+                  <a:pt x="6878775" y="0"/>
+                </a:lnTo>
+                <a:lnTo>
+                  <a:pt x="6878775" y="6858000"/>
+                </a:lnTo>
+                <a:lnTo>
+                  <a:pt x="713521" y="6858000"/>
+                </a:lnTo>
+                <a:lnTo>
+                  <a:pt x="625642" y="6670527"/>
+                </a:lnTo>
+                <a:cubicBezTo>
+                  <a:pt x="507232" y="6398531"/>
+                  <a:pt x="403083" y="6118381"/>
+                  <a:pt x="312785" y="5830359"/>
+                </a:cubicBezTo>
+                <a:cubicBezTo>
+                  <a:pt x="278149" y="5719759"/>
+                  <a:pt x="248879" y="5607635"/>
+                  <a:pt x="212198" y="5480401"/>
+                </a:cubicBezTo>
+                <a:cubicBezTo>
+                  <a:pt x="212208" y="5491601"/>
+                  <a:pt x="212803" y="5502788"/>
+                  <a:pt x="213988" y="5513923"/>
+                </a:cubicBezTo>
+                <a:cubicBezTo>
+                  <a:pt x="264089" y="5723695"/>
+                  <a:pt x="307290" y="5935370"/>
+                  <a:pt x="365826" y="6142729"/>
+                </a:cubicBezTo>
+                <a:cubicBezTo>
+                  <a:pt x="433152" y="6380817"/>
+                  <a:pt x="510068" y="6614016"/>
+                  <a:pt x="597975" y="6841549"/>
+                </a:cubicBezTo>
+                <a:lnTo>
+                  <a:pt x="604824" y="6858000"/>
+                </a:lnTo>
+                <a:lnTo>
+                  <a:pt x="552056" y="6858000"/>
+                </a:lnTo>
+                <a:lnTo>
+                  <a:pt x="539576" y="6828295"/>
+                </a:lnTo>
+                <a:cubicBezTo>
+                  <a:pt x="380597" y="6414594"/>
+                  <a:pt x="260223" y="5988893"/>
+                  <a:pt x="171555" y="5552906"/>
+                </a:cubicBezTo>
+                <a:cubicBezTo>
+                  <a:pt x="91163" y="5157998"/>
+                  <a:pt x="43746" y="4758899"/>
+                  <a:pt x="12305" y="4357388"/>
+                </a:cubicBezTo>
+                <a:cubicBezTo>
+                  <a:pt x="-14281" y="4013908"/>
+                  <a:pt x="4507" y="3672965"/>
+                  <a:pt x="46684" y="3331516"/>
+                </a:cubicBezTo>
+                <a:cubicBezTo>
+                  <a:pt x="127203" y="2664286"/>
+                  <a:pt x="277819" y="2007265"/>
+                  <a:pt x="496065" y="1371196"/>
+                </a:cubicBezTo>
+                <a:cubicBezTo>
+                  <a:pt x="636273" y="966066"/>
+                  <a:pt x="800445" y="573253"/>
+                  <a:pt x="995723" y="196614"/>
+                </a:cubicBezTo>
+                <a:close/>
+              </a:path>
+            </a:pathLst>
+          </a:custGeom>
+        </p:spPr>
+      </p:pic>
     </p:spTree>
     <p:extLst>
       <p:ext uri="{BB962C8B-B14F-4D97-AF65-F5344CB8AC3E}">
@@ -3627,24 +4067,307 @@
       </p:grpSpPr>
       <p:sp>
         <p:nvSpPr>
-          <p:cNvPr id="2" name="Titolo 1">
-            <a:extLst>
-              <a:ext uri="{FF2B5EF4-FFF2-40B4-BE49-F238E27FC236}">
-                <a16:creationId xmlns:a16="http://schemas.microsoft.com/office/drawing/2014/main" id="{B4F23332-0604-E7EF-7474-A08ECD060DC0}"/>
-              </a:ext>
-            </a:extLst>
-          </p:cNvPr>
-          <p:cNvSpPr>
-            <a:spLocks noGrp="1"/>
-          </p:cNvSpPr>
-          <p:nvPr>
-            <p:ph type="title"/>
+          <p:cNvPr id="3" name="Sottotitolo 2">
+            <a:extLst>
+              <a:ext uri="{FF2B5EF4-FFF2-40B4-BE49-F238E27FC236}">
+                <a16:creationId xmlns:a16="http://schemas.microsoft.com/office/drawing/2014/main" id="{038E8779-F3ED-7007-E2F2-FEA5B4009205}"/>
+              </a:ext>
+            </a:extLst>
+          </p:cNvPr>
+          <p:cNvSpPr>
+            <a:spLocks noGrp="1"/>
+          </p:cNvSpPr>
+          <p:nvPr>
+            <p:ph type="subTitle" idx="1"/>
           </p:nvPr>
         </p:nvSpPr>
         <p:spPr>
           <a:xfrm>
-            <a:off x="838200" y="365126"/>
-            <a:ext cx="10515600" cy="907084"/>
+            <a:off x="1252330" y="888654"/>
+            <a:ext cx="9829799" cy="4461821"/>
+          </a:xfrm>
+        </p:spPr>
+        <p:txBody>
+          <a:bodyPr>
+            <a:normAutofit/>
+          </a:bodyPr>
+          <a:lstStyle/>
+          <a:p>
+            <a:pPr marL="114300" algn="l">
+              <a:lnSpc>
+                <a:spcPct val="90000"/>
+              </a:lnSpc>
+              <a:spcAft>
+                <a:spcPts val="600"/>
+              </a:spcAft>
+            </a:pPr>
+            <a:r>
+              <a:rPr lang="en-US" sz="2400" dirty="0"/>
+              <a:t>2. </a:t>
+            </a:r>
+            <a:r>
+              <a:rPr lang="en-US" sz="2400" dirty="0" err="1"/>
+              <a:t>Comando</a:t>
+            </a:r>
+            <a:r>
+              <a:rPr lang="en-US" sz="2400" dirty="0"/>
+              <a:t> da </a:t>
+            </a:r>
+            <a:r>
+              <a:rPr lang="en-US" sz="2400" dirty="0" err="1"/>
+              <a:t>terminale</a:t>
+            </a:r>
+            <a:r>
+              <a:rPr lang="en-US" sz="2400" dirty="0"/>
+              <a:t> </a:t>
+            </a:r>
+            <a:r>
+              <a:rPr lang="it-IT" sz="2400" dirty="0"/>
+              <a:t>«</a:t>
+            </a:r>
+            <a:r>
+              <a:rPr lang="en-US" sz="2400" dirty="0"/>
+              <a:t>git </a:t>
+            </a:r>
+            <a:r>
+              <a:rPr lang="en-US" sz="2400" dirty="0" err="1"/>
+              <a:t>init</a:t>
+            </a:r>
+            <a:r>
+              <a:rPr lang="it-IT" sz="2400" dirty="0"/>
+              <a:t>»</a:t>
+            </a:r>
+            <a:r>
+              <a:rPr lang="en-US" dirty="0"/>
+              <a:t>: serve</a:t>
+            </a:r>
+            <a:r>
+              <a:rPr lang="en-US" sz="2400" dirty="0"/>
+              <a:t> per </a:t>
+            </a:r>
+            <a:r>
+              <a:rPr lang="en-US" sz="2400" dirty="0" err="1"/>
+              <a:t>inizializzare</a:t>
+            </a:r>
+            <a:r>
+              <a:rPr lang="en-US" sz="2400" dirty="0"/>
+              <a:t> un nuovo repository </a:t>
+            </a:r>
+            <a:r>
+              <a:rPr lang="en-US" sz="2400" dirty="0" err="1"/>
+              <a:t>vuoto</a:t>
+            </a:r>
+            <a:r>
+              <a:rPr lang="en-US" sz="2400" dirty="0"/>
+              <a:t>;</a:t>
+            </a:r>
+          </a:p>
+          <a:p>
+            <a:pPr marL="114300" algn="l">
+              <a:lnSpc>
+                <a:spcPct val="90000"/>
+              </a:lnSpc>
+              <a:spcAft>
+                <a:spcPts val="600"/>
+              </a:spcAft>
+            </a:pPr>
+            <a:endParaRPr lang="en-US" sz="2400" dirty="0"/>
+          </a:p>
+          <a:p>
+            <a:pPr marL="114300" algn="l">
+              <a:lnSpc>
+                <a:spcPct val="90000"/>
+              </a:lnSpc>
+              <a:spcAft>
+                <a:spcPts val="600"/>
+              </a:spcAft>
+            </a:pPr>
+            <a:endParaRPr lang="en-US" sz="2400" dirty="0"/>
+          </a:p>
+          <a:p>
+            <a:pPr marL="114300" algn="l">
+              <a:lnSpc>
+                <a:spcPct val="90000"/>
+              </a:lnSpc>
+              <a:spcAft>
+                <a:spcPts val="600"/>
+              </a:spcAft>
+            </a:pPr>
+            <a:r>
+              <a:rPr lang="en-US" sz="2400" dirty="0"/>
+              <a:t>3. </a:t>
+            </a:r>
+            <a:r>
+              <a:rPr lang="en-US" dirty="0" err="1"/>
+              <a:t>Comando</a:t>
+            </a:r>
+            <a:r>
+              <a:rPr lang="en-US" sz="2400" dirty="0"/>
+              <a:t> </a:t>
+            </a:r>
+            <a:r>
+              <a:rPr lang="it-IT" sz="2400" dirty="0"/>
+              <a:t>«</a:t>
+            </a:r>
+            <a:r>
+              <a:rPr lang="en-US" sz="2400" dirty="0"/>
+              <a:t>git remote add origin</a:t>
+            </a:r>
+            <a:r>
+              <a:rPr lang="it-IT" sz="2400" dirty="0"/>
+              <a:t>»</a:t>
+            </a:r>
+            <a:r>
+              <a:rPr lang="en-US" sz="2400" dirty="0"/>
+              <a:t> </a:t>
+            </a:r>
+            <a:r>
+              <a:rPr lang="en-US" sz="2400" dirty="0">
+                <a:hlinkClick r:id="rId2"/>
+              </a:rPr>
+              <a:t>https://github.com/username/progetto.git</a:t>
+            </a:r>
+            <a:r>
+              <a:rPr lang="en-US" sz="2400" dirty="0"/>
+              <a:t> (URL del repository </a:t>
+            </a:r>
+            <a:r>
+              <a:rPr lang="en-US" sz="2400" dirty="0" err="1"/>
+              <a:t>creato</a:t>
+            </a:r>
+            <a:r>
+              <a:rPr lang="en-US" sz="2400" dirty="0"/>
+              <a:t>): serve per </a:t>
+            </a:r>
+            <a:r>
+              <a:rPr lang="en-US" sz="2400" dirty="0" err="1"/>
+              <a:t>collegare</a:t>
+            </a:r>
+            <a:r>
+              <a:rPr lang="en-US" sz="2400" dirty="0"/>
+              <a:t> il repository </a:t>
+            </a:r>
+            <a:r>
+              <a:rPr lang="en-US" sz="2400" dirty="0" err="1"/>
+              <a:t>creato</a:t>
+            </a:r>
+            <a:endParaRPr lang="en-US" sz="2400" dirty="0"/>
+          </a:p>
+          <a:p>
+            <a:endParaRPr lang="it-IT" dirty="0"/>
+          </a:p>
+        </p:txBody>
+      </p:sp>
+      <p:pic>
+        <p:nvPicPr>
+          <p:cNvPr id="4" name="Immagine 3">
+            <a:extLst>
+              <a:ext uri="{FF2B5EF4-FFF2-40B4-BE49-F238E27FC236}">
+                <a16:creationId xmlns:a16="http://schemas.microsoft.com/office/drawing/2014/main" id="{FB515547-1ACE-D111-A310-D6FD5E767F3F}"/>
+              </a:ext>
+            </a:extLst>
+          </p:cNvPr>
+          <p:cNvPicPr>
+            <a:picLocks noChangeAspect="1"/>
+          </p:cNvPicPr>
+          <p:nvPr/>
+        </p:nvPicPr>
+        <p:blipFill>
+          <a:blip r:embed="rId3"/>
+          <a:stretch>
+            <a:fillRect/>
+          </a:stretch>
+        </p:blipFill>
+        <p:spPr>
+          <a:xfrm>
+            <a:off x="2209800" y="1915029"/>
+            <a:ext cx="7772400" cy="534552"/>
+          </a:xfrm>
+          <a:prstGeom prst="rect">
+            <a:avLst/>
+          </a:prstGeom>
+        </p:spPr>
+      </p:pic>
+      <p:pic>
+        <p:nvPicPr>
+          <p:cNvPr id="5" name="Immagine 4">
+            <a:extLst>
+              <a:ext uri="{FF2B5EF4-FFF2-40B4-BE49-F238E27FC236}">
+                <a16:creationId xmlns:a16="http://schemas.microsoft.com/office/drawing/2014/main" id="{1CC12F62-94EA-DFE2-0D1A-B59BE94C4431}"/>
+              </a:ext>
+            </a:extLst>
+          </p:cNvPr>
+          <p:cNvPicPr>
+            <a:picLocks noChangeAspect="1"/>
+          </p:cNvPicPr>
+          <p:nvPr/>
+        </p:nvPicPr>
+        <p:blipFill>
+          <a:blip r:embed="rId4"/>
+          <a:stretch>
+            <a:fillRect/>
+          </a:stretch>
+        </p:blipFill>
+        <p:spPr>
+          <a:xfrm>
+            <a:off x="1742393" y="3696410"/>
+            <a:ext cx="9005390" cy="258148"/>
+          </a:xfrm>
+          <a:prstGeom prst="rect">
+            <a:avLst/>
+          </a:prstGeom>
+        </p:spPr>
+      </p:pic>
+    </p:spTree>
+    <p:extLst>
+      <p:ext uri="{BB962C8B-B14F-4D97-AF65-F5344CB8AC3E}">
+        <p14:creationId xmlns:p14="http://schemas.microsoft.com/office/powerpoint/2010/main" val="1045806836"/>
+      </p:ext>
+    </p:extLst>
+  </p:cSld>
+  <p:clrMapOvr>
+    <a:masterClrMapping/>
+  </p:clrMapOvr>
+</p:sld>
+</file>
+
+<file path=ppt/slides/slide4.xml><?xml version="1.0" encoding="utf-8"?>
+<p:sld xmlns:a="http://schemas.openxmlformats.org/drawingml/2006/main" xmlns:r="http://schemas.openxmlformats.org/officeDocument/2006/relationships" xmlns:p="http://schemas.openxmlformats.org/presentationml/2006/main">
+  <p:cSld>
+    <p:spTree>
+      <p:nvGrpSpPr>
+        <p:cNvPr id="1" name=""/>
+        <p:cNvGrpSpPr/>
+        <p:nvPr/>
+      </p:nvGrpSpPr>
+      <p:grpSpPr>
+        <a:xfrm>
+          <a:off x="0" y="0"/>
+          <a:ext cx="0" cy="0"/>
+          <a:chOff x="0" y="0"/>
+          <a:chExt cx="0" cy="0"/>
+        </a:xfrm>
+      </p:grpSpPr>
+      <p:sp>
+        <p:nvSpPr>
+          <p:cNvPr id="2" name="Titolo 1">
+            <a:extLst>
+              <a:ext uri="{FF2B5EF4-FFF2-40B4-BE49-F238E27FC236}">
+                <a16:creationId xmlns:a16="http://schemas.microsoft.com/office/drawing/2014/main" id="{B4F23332-0604-E7EF-7474-A08ECD060DC0}"/>
+              </a:ext>
+            </a:extLst>
+          </p:cNvPr>
+          <p:cNvSpPr>
+            <a:spLocks noGrp="1"/>
+          </p:cNvSpPr>
+          <p:nvPr>
+            <p:ph type="title"/>
+          </p:nvPr>
+        </p:nvSpPr>
+        <p:spPr>
+          <a:xfrm>
+            <a:off x="791817" y="679829"/>
+            <a:ext cx="10515600" cy="1414592"/>
           </a:xfrm>
         </p:spPr>
         <p:txBody>
@@ -3653,18 +4376,51 @@
           </a:bodyPr>
           <a:lstStyle/>
           <a:p>
-            <a:r>
-              <a:rPr lang="it-IT" sz="3200" dirty="0"/>
-              <a:t>Procedure di </a:t>
-            </a:r>
-            <a:r>
-              <a:rPr lang="it-IT" sz="3200" dirty="0" err="1"/>
-              <a:t>push</a:t>
-            </a:r>
-            <a:r>
-              <a:rPr lang="it-IT" sz="3200" dirty="0"/>
-              <a:t> e pull:</a:t>
-            </a:r>
+            <a:br>
+              <a:rPr lang="it-IT" sz="4200" b="0" i="0" dirty="0">
+                <a:solidFill>
+                  <a:srgbClr val="3C4043"/>
+                </a:solidFill>
+                <a:effectLst/>
+                <a:latin typeface="Roboto" panose="02000000000000000000" pitchFamily="2" charset="0"/>
+              </a:rPr>
+            </a:br>
+            <a:r>
+              <a:rPr lang="it-IT" sz="4700" b="0" i="0" dirty="0">
+                <a:solidFill>
+                  <a:srgbClr val="3C4043"/>
+                </a:solidFill>
+                <a:effectLst/>
+              </a:rPr>
+              <a:t>Aggiunta di un file/cartella da monitorare e relativo </a:t>
+            </a:r>
+            <a:r>
+              <a:rPr lang="it-IT" sz="4700" b="0" i="0" dirty="0" err="1">
+                <a:solidFill>
+                  <a:srgbClr val="3C4043"/>
+                </a:solidFill>
+                <a:effectLst/>
+              </a:rPr>
+              <a:t>commit</a:t>
+            </a:r>
+            <a:r>
+              <a:rPr lang="it-IT" sz="4700" b="0" i="0" dirty="0">
+                <a:solidFill>
+                  <a:srgbClr val="3C4043"/>
+                </a:solidFill>
+                <a:effectLst/>
+              </a:rPr>
+              <a:t>:</a:t>
+            </a:r>
+            <a:br>
+              <a:rPr lang="it-IT" sz="1200" b="0" i="0" dirty="0">
+                <a:solidFill>
+                  <a:srgbClr val="3C4043"/>
+                </a:solidFill>
+                <a:effectLst/>
+                <a:latin typeface="Roboto" panose="02000000000000000000" pitchFamily="2" charset="0"/>
+              </a:rPr>
+            </a:br>
             <a:br>
               <a:rPr lang="it-IT" sz="3200" dirty="0"/>
             </a:br>
@@ -3686,8 +4442,8 @@
         </p:nvSpPr>
         <p:spPr>
           <a:xfrm>
-            <a:off x="838199" y="993913"/>
-            <a:ext cx="10515599" cy="2308324"/>
+            <a:off x="838200" y="2022275"/>
+            <a:ext cx="10515599" cy="2954655"/>
           </a:xfrm>
           <a:prstGeom prst="rect">
             <a:avLst/>
@@ -3700,156 +4456,974 @@
           </a:bodyPr>
           <a:lstStyle/>
           <a:p>
-            <a:r>
-              <a:rPr lang="it-IT" dirty="0"/>
-              <a:t>Per caricare dei file nel repository bisogna utilizzare questi comandi </a:t>
-            </a:r>
+            <a:endParaRPr lang="it-IT" dirty="0"/>
           </a:p>
           <a:p>
             <a:pPr marL="342900" indent="-342900">
+              <a:buFont typeface="+mj-lt"/>
               <a:buAutoNum type="arabicPeriod"/>
             </a:pPr>
             <a:r>
-              <a:rPr lang="it-IT" dirty="0" err="1"/>
+              <a:rPr lang="it-IT" sz="2400" dirty="0"/>
+              <a:t>«</a:t>
+            </a:r>
+            <a:r>
+              <a:rPr lang="it-IT" sz="2400" dirty="0" err="1"/>
               <a:t>git</a:t>
             </a:r>
             <a:r>
-              <a:rPr lang="it-IT" dirty="0"/>
+              <a:rPr lang="it-IT" sz="2400" dirty="0"/>
               <a:t> </a:t>
             </a:r>
             <a:r>
-              <a:rPr lang="it-IT" dirty="0" err="1"/>
+              <a:rPr lang="it-IT" sz="2400" dirty="0" err="1"/>
               <a:t>add</a:t>
             </a:r>
             <a:r>
-              <a:rPr lang="it-IT" dirty="0"/>
+              <a:rPr lang="it-IT" sz="2400" dirty="0"/>
               <a:t> </a:t>
             </a:r>
             <a:r>
-              <a:rPr lang="it-IT" dirty="0" err="1"/>
+              <a:rPr lang="it-IT" sz="2400" dirty="0" err="1"/>
               <a:t>nomefile</a:t>
             </a:r>
-            <a:endParaRPr lang="it-IT" dirty="0"/>
+            <a:r>
+              <a:rPr lang="it-IT" sz="2400" dirty="0"/>
+              <a:t>»: serve per aggiungere un file o una cartella;</a:t>
+            </a:r>
           </a:p>
           <a:p>
             <a:pPr marL="342900" indent="-342900">
+              <a:buFont typeface="+mj-lt"/>
               <a:buAutoNum type="arabicPeriod"/>
             </a:pPr>
-            <a:r>
-              <a:rPr lang="it-IT" dirty="0" err="1"/>
-              <a:t>git</a:t>
-            </a:r>
-            <a:r>
-              <a:rPr lang="it-IT" dirty="0"/>
-              <a:t> </a:t>
-            </a:r>
-            <a:r>
-              <a:rPr lang="it-IT" dirty="0" err="1"/>
-              <a:t>commit</a:t>
-            </a:r>
-            <a:r>
-              <a:rPr lang="it-IT" dirty="0"/>
-              <a:t> -m «messaggio» (per tenere traccia di ciò che è stato fatto)</a:t>
-            </a:r>
+            <a:endParaRPr lang="it-IT" dirty="0"/>
           </a:p>
           <a:p>
             <a:pPr marL="342900" indent="-342900">
+              <a:buFont typeface="+mj-lt"/>
               <a:buAutoNum type="arabicPeriod"/>
             </a:pPr>
             <a:r>
-              <a:rPr lang="it-IT" dirty="0" err="1"/>
+              <a:rPr lang="it-IT" sz="2400" dirty="0"/>
+              <a:t>«</a:t>
+            </a:r>
+            <a:r>
+              <a:rPr lang="it-IT" sz="2400" dirty="0" err="1"/>
               <a:t>git</a:t>
             </a:r>
             <a:r>
-              <a:rPr lang="it-IT" dirty="0"/>
+              <a:rPr lang="it-IT" sz="2400" dirty="0"/>
               <a:t> </a:t>
             </a:r>
             <a:r>
-              <a:rPr lang="it-IT" dirty="0" err="1"/>
-              <a:t>push</a:t>
-            </a:r>
-            <a:r>
-              <a:rPr lang="it-IT" dirty="0"/>
-              <a:t> </a:t>
-            </a:r>
-            <a:r>
-              <a:rPr lang="it-IT" dirty="0" err="1"/>
-              <a:t>origin</a:t>
-            </a:r>
-            <a:r>
-              <a:rPr lang="it-IT" dirty="0"/>
-              <a:t> </a:t>
-            </a:r>
-            <a:r>
-              <a:rPr lang="it-IT" dirty="0" err="1"/>
-              <a:t>main</a:t>
-            </a:r>
-            <a:r>
-              <a:rPr lang="it-IT" dirty="0"/>
-              <a:t> (per caricare le modifiche fatte)</a:t>
-            </a:r>
-          </a:p>
-          <a:p>
-            <a:endParaRPr lang="it-IT" dirty="0"/>
-          </a:p>
-          <a:p>
-            <a:r>
-              <a:rPr lang="it-IT" dirty="0"/>
-              <a:t>Se si vuole lavorare con un repository già esistente, prima dei precedenti comandi bisogna :</a:t>
+              <a:rPr lang="it-IT" sz="2400" dirty="0" err="1"/>
+              <a:t>commit</a:t>
+            </a:r>
+            <a:r>
+              <a:rPr lang="it-IT" sz="2400" dirty="0"/>
+              <a:t> -m "messaggio"»: serve per tenere traccia di ciò che è stato fatto;    </a:t>
             </a:r>
           </a:p>
           <a:p>
             <a:pPr marL="342900" indent="-342900">
+              <a:buFont typeface="+mj-lt"/>
               <a:buAutoNum type="arabicPeriod"/>
             </a:pPr>
-            <a:r>
-              <a:rPr lang="it-IT" dirty="0" err="1"/>
-              <a:t>git</a:t>
-            </a:r>
-            <a:r>
-              <a:rPr lang="it-IT" dirty="0"/>
-              <a:t> clone </a:t>
-            </a:r>
-            <a:r>
-              <a:rPr lang="it-IT" dirty="0">
-                <a:hlinkClick r:id="rId2"/>
-              </a:rPr>
-              <a:t>https://github.com/username/progetto.git</a:t>
-            </a:r>
             <a:endParaRPr lang="it-IT" dirty="0"/>
           </a:p>
           <a:p>
             <a:pPr marL="342900" indent="-342900">
+              <a:buFont typeface="+mj-lt"/>
               <a:buAutoNum type="arabicPeriod"/>
             </a:pPr>
             <a:r>
-              <a:rPr lang="it-IT" dirty="0" err="1"/>
+              <a:rPr lang="it-IT" sz="2400" dirty="0"/>
+              <a:t>«</a:t>
+            </a:r>
+            <a:r>
+              <a:rPr lang="it-IT" sz="2400" dirty="0" err="1"/>
               <a:t>git</a:t>
             </a:r>
             <a:r>
-              <a:rPr lang="it-IT" dirty="0"/>
-              <a:t> pull </a:t>
-            </a:r>
-            <a:r>
-              <a:rPr lang="it-IT" dirty="0" err="1"/>
-              <a:t>origin</a:t>
-            </a:r>
-            <a:r>
-              <a:rPr lang="it-IT" dirty="0"/>
+              <a:rPr lang="it-IT" sz="2400" dirty="0"/>
               <a:t> </a:t>
             </a:r>
             <a:r>
-              <a:rPr lang="it-IT" dirty="0" err="1"/>
+              <a:rPr lang="it-IT" sz="2400" dirty="0" err="1"/>
+              <a:t>branch</a:t>
+            </a:r>
+            <a:r>
+              <a:rPr lang="it-IT" sz="2400" dirty="0"/>
+              <a:t> –m </a:t>
+            </a:r>
+            <a:r>
+              <a:rPr lang="it-IT" sz="2400" dirty="0" err="1"/>
               <a:t>main</a:t>
             </a:r>
+            <a:r>
+              <a:rPr lang="it-IT" sz="2400" dirty="0"/>
+              <a:t>»: serve per determinare il ramo in cui stiamo apportando delle modifiche.</a:t>
+            </a:r>
+          </a:p>
+          <a:p>
+            <a:pPr marL="342900" indent="-342900">
+              <a:buFont typeface="+mj-lt"/>
+              <a:buAutoNum type="arabicPeriod"/>
+            </a:pPr>
             <a:endParaRPr lang="it-IT" dirty="0"/>
           </a:p>
-        </p:txBody>
-      </p:sp>
+          <a:p>
+            <a:endParaRPr lang="it-IT" dirty="0"/>
+          </a:p>
+        </p:txBody>
+      </p:sp>
+      <p:pic>
+        <p:nvPicPr>
+          <p:cNvPr id="4" name="Immagine 3">
+            <a:extLst>
+              <a:ext uri="{FF2B5EF4-FFF2-40B4-BE49-F238E27FC236}">
+                <a16:creationId xmlns:a16="http://schemas.microsoft.com/office/drawing/2014/main" id="{EAE1ED6C-33E3-0EAA-AF8D-674098CA73D4}"/>
+              </a:ext>
+            </a:extLst>
+          </p:cNvPr>
+          <p:cNvPicPr>
+            <a:picLocks noChangeAspect="1"/>
+          </p:cNvPicPr>
+          <p:nvPr/>
+        </p:nvPicPr>
+        <p:blipFill>
+          <a:blip r:embed="rId2"/>
+          <a:stretch>
+            <a:fillRect/>
+          </a:stretch>
+        </p:blipFill>
+        <p:spPr>
+          <a:xfrm>
+            <a:off x="1203530" y="2757007"/>
+            <a:ext cx="7772400" cy="242557"/>
+          </a:xfrm>
+          <a:prstGeom prst="rect">
+            <a:avLst/>
+          </a:prstGeom>
+        </p:spPr>
+      </p:pic>
+      <p:pic>
+        <p:nvPicPr>
+          <p:cNvPr id="5" name="Immagine 4">
+            <a:extLst>
+              <a:ext uri="{FF2B5EF4-FFF2-40B4-BE49-F238E27FC236}">
+                <a16:creationId xmlns:a16="http://schemas.microsoft.com/office/drawing/2014/main" id="{BBE7C281-E6F0-302A-CDF6-56384885A8F6}"/>
+              </a:ext>
+            </a:extLst>
+          </p:cNvPr>
+          <p:cNvPicPr>
+            <a:picLocks noChangeAspect="1"/>
+          </p:cNvPicPr>
+          <p:nvPr/>
+        </p:nvPicPr>
+        <p:blipFill>
+          <a:blip r:embed="rId3"/>
+          <a:stretch>
+            <a:fillRect/>
+          </a:stretch>
+        </p:blipFill>
+        <p:spPr>
+          <a:xfrm>
+            <a:off x="1203530" y="3429000"/>
+            <a:ext cx="7772400" cy="242557"/>
+          </a:xfrm>
+          <a:prstGeom prst="rect">
+            <a:avLst/>
+          </a:prstGeom>
+        </p:spPr>
+      </p:pic>
+      <p:pic>
+        <p:nvPicPr>
+          <p:cNvPr id="6" name="Immagine 5">
+            <a:extLst>
+              <a:ext uri="{FF2B5EF4-FFF2-40B4-BE49-F238E27FC236}">
+                <a16:creationId xmlns:a16="http://schemas.microsoft.com/office/drawing/2014/main" id="{3F25CD2A-D0B3-56EF-9825-A5C90BC61D78}"/>
+              </a:ext>
+            </a:extLst>
+          </p:cNvPr>
+          <p:cNvPicPr>
+            <a:picLocks noChangeAspect="1"/>
+          </p:cNvPicPr>
+          <p:nvPr/>
+        </p:nvPicPr>
+        <p:blipFill>
+          <a:blip r:embed="rId4"/>
+          <a:stretch>
+            <a:fillRect/>
+          </a:stretch>
+        </p:blipFill>
+        <p:spPr>
+          <a:xfrm>
+            <a:off x="1203530" y="4356696"/>
+            <a:ext cx="7772400" cy="232011"/>
+          </a:xfrm>
+          <a:prstGeom prst="rect">
+            <a:avLst/>
+          </a:prstGeom>
+        </p:spPr>
+      </p:pic>
     </p:spTree>
     <p:extLst>
       <p:ext uri="{BB962C8B-B14F-4D97-AF65-F5344CB8AC3E}">
         <p14:creationId xmlns:p14="http://schemas.microsoft.com/office/powerpoint/2010/main" val="3327441586"/>
+      </p:ext>
+    </p:extLst>
+  </p:cSld>
+  <p:clrMapOvr>
+    <a:masterClrMapping/>
+  </p:clrMapOvr>
+</p:sld>
+</file>
+
+<file path=ppt/slides/slide5.xml><?xml version="1.0" encoding="utf-8"?>
+<p:sld xmlns:a="http://schemas.openxmlformats.org/drawingml/2006/main" xmlns:r="http://schemas.openxmlformats.org/officeDocument/2006/relationships" xmlns:p="http://schemas.openxmlformats.org/presentationml/2006/main">
+  <p:cSld>
+    <p:spTree>
+      <p:nvGrpSpPr>
+        <p:cNvPr id="1" name=""/>
+        <p:cNvGrpSpPr/>
+        <p:nvPr/>
+      </p:nvGrpSpPr>
+      <p:grpSpPr>
+        <a:xfrm>
+          <a:off x="0" y="0"/>
+          <a:ext cx="0" cy="0"/>
+          <a:chOff x="0" y="0"/>
+          <a:chExt cx="0" cy="0"/>
+        </a:xfrm>
+      </p:grpSpPr>
+      <p:sp>
+        <p:nvSpPr>
+          <p:cNvPr id="2" name="Titolo 1">
+            <a:extLst>
+              <a:ext uri="{FF2B5EF4-FFF2-40B4-BE49-F238E27FC236}">
+                <a16:creationId xmlns:a16="http://schemas.microsoft.com/office/drawing/2014/main" id="{01E612BB-AC17-8A30-916C-D4A697454089}"/>
+              </a:ext>
+            </a:extLst>
+          </p:cNvPr>
+          <p:cNvSpPr>
+            <a:spLocks noGrp="1"/>
+          </p:cNvSpPr>
+          <p:nvPr>
+            <p:ph type="title"/>
+          </p:nvPr>
+        </p:nvSpPr>
+        <p:spPr/>
+        <p:txBody>
+          <a:bodyPr>
+            <a:normAutofit/>
+          </a:bodyPr>
+          <a:lstStyle/>
+          <a:p>
+            <a:r>
+              <a:rPr lang="it-IT" sz="4200" dirty="0"/>
+              <a:t>Aggiornamento del repository remoto:</a:t>
+            </a:r>
+          </a:p>
+        </p:txBody>
+      </p:sp>
+      <p:sp>
+        <p:nvSpPr>
+          <p:cNvPr id="4" name="CasellaDiTesto 3">
+            <a:extLst>
+              <a:ext uri="{FF2B5EF4-FFF2-40B4-BE49-F238E27FC236}">
+                <a16:creationId xmlns:a16="http://schemas.microsoft.com/office/drawing/2014/main" id="{8D38D864-667C-4F9E-325A-B657FFC1F7B0}"/>
+              </a:ext>
+            </a:extLst>
+          </p:cNvPr>
+          <p:cNvSpPr txBox="1"/>
+          <p:nvPr/>
+        </p:nvSpPr>
+        <p:spPr>
+          <a:xfrm>
+            <a:off x="964095" y="1690688"/>
+            <a:ext cx="9332843" cy="1015663"/>
+          </a:xfrm>
+          <a:prstGeom prst="rect">
+            <a:avLst/>
+          </a:prstGeom>
+          <a:noFill/>
+        </p:spPr>
+        <p:txBody>
+          <a:bodyPr wrap="square" rtlCol="0">
+            <a:spAutoFit/>
+          </a:bodyPr>
+          <a:lstStyle/>
+          <a:p>
+            <a:r>
+              <a:rPr lang="it-IT" sz="2400" dirty="0"/>
+              <a:t>Comando «</a:t>
+            </a:r>
+            <a:r>
+              <a:rPr lang="it-IT" sz="2400" dirty="0" err="1"/>
+              <a:t>git</a:t>
+            </a:r>
+            <a:r>
+              <a:rPr lang="it-IT" sz="2400" dirty="0"/>
+              <a:t> </a:t>
+            </a:r>
+            <a:r>
+              <a:rPr lang="it-IT" sz="2400" dirty="0" err="1"/>
+              <a:t>push</a:t>
+            </a:r>
+            <a:r>
+              <a:rPr lang="it-IT" sz="2400" dirty="0"/>
+              <a:t> –u </a:t>
+            </a:r>
+            <a:r>
+              <a:rPr lang="it-IT" sz="2400" dirty="0" err="1"/>
+              <a:t>origin</a:t>
+            </a:r>
+            <a:r>
+              <a:rPr lang="it-IT" sz="2400" dirty="0"/>
+              <a:t> </a:t>
+            </a:r>
+            <a:r>
+              <a:rPr lang="it-IT" sz="2400" dirty="0" err="1"/>
+              <a:t>main</a:t>
+            </a:r>
+            <a:r>
+              <a:rPr lang="it-IT" sz="2400" dirty="0"/>
+              <a:t>»: per caricare le modifiche fatte.</a:t>
+            </a:r>
+          </a:p>
+          <a:p>
+            <a:endParaRPr lang="it-IT" dirty="0"/>
+          </a:p>
+          <a:p>
+            <a:endParaRPr lang="it-IT" dirty="0"/>
+          </a:p>
+        </p:txBody>
+      </p:sp>
+      <p:pic>
+        <p:nvPicPr>
+          <p:cNvPr id="6" name="Immagine 5">
+            <a:extLst>
+              <a:ext uri="{FF2B5EF4-FFF2-40B4-BE49-F238E27FC236}">
+                <a16:creationId xmlns:a16="http://schemas.microsoft.com/office/drawing/2014/main" id="{16D1E38D-948D-812B-92E8-C78F9C79456D}"/>
+              </a:ext>
+            </a:extLst>
+          </p:cNvPr>
+          <p:cNvPicPr>
+            <a:picLocks noChangeAspect="1"/>
+          </p:cNvPicPr>
+          <p:nvPr/>
+        </p:nvPicPr>
+        <p:blipFill>
+          <a:blip r:embed="rId2"/>
+          <a:stretch>
+            <a:fillRect/>
+          </a:stretch>
+        </p:blipFill>
+        <p:spPr>
+          <a:xfrm>
+            <a:off x="1744316" y="2198519"/>
+            <a:ext cx="7772400" cy="263649"/>
+          </a:xfrm>
+          <a:prstGeom prst="rect">
+            <a:avLst/>
+          </a:prstGeom>
+        </p:spPr>
+      </p:pic>
+    </p:spTree>
+    <p:extLst>
+      <p:ext uri="{BB962C8B-B14F-4D97-AF65-F5344CB8AC3E}">
+        <p14:creationId xmlns:p14="http://schemas.microsoft.com/office/powerpoint/2010/main" val="2346174042"/>
+      </p:ext>
+    </p:extLst>
+  </p:cSld>
+  <p:clrMapOvr>
+    <a:masterClrMapping/>
+  </p:clrMapOvr>
+</p:sld>
+</file>
+
+<file path=ppt/slides/slide6.xml><?xml version="1.0" encoding="utf-8"?>
+<p:sld xmlns:a="http://schemas.openxmlformats.org/drawingml/2006/main" xmlns:r="http://schemas.openxmlformats.org/officeDocument/2006/relationships" xmlns:p="http://schemas.openxmlformats.org/presentationml/2006/main">
+  <p:cSld>
+    <p:spTree>
+      <p:nvGrpSpPr>
+        <p:cNvPr id="1" name=""/>
+        <p:cNvGrpSpPr/>
+        <p:nvPr/>
+      </p:nvGrpSpPr>
+      <p:grpSpPr>
+        <a:xfrm>
+          <a:off x="0" y="0"/>
+          <a:ext cx="0" cy="0"/>
+          <a:chOff x="0" y="0"/>
+          <a:chExt cx="0" cy="0"/>
+        </a:xfrm>
+      </p:grpSpPr>
+      <p:sp>
+        <p:nvSpPr>
+          <p:cNvPr id="2" name="Titolo 1">
+            <a:extLst>
+              <a:ext uri="{FF2B5EF4-FFF2-40B4-BE49-F238E27FC236}">
+                <a16:creationId xmlns:a16="http://schemas.microsoft.com/office/drawing/2014/main" id="{D87B8E62-26DD-9921-A15B-15AC64B5B930}"/>
+              </a:ext>
+            </a:extLst>
+          </p:cNvPr>
+          <p:cNvSpPr>
+            <a:spLocks noGrp="1"/>
+          </p:cNvSpPr>
+          <p:nvPr>
+            <p:ph type="title"/>
+          </p:nvPr>
+        </p:nvSpPr>
+        <p:spPr/>
+        <p:txBody>
+          <a:bodyPr>
+            <a:normAutofit/>
+          </a:bodyPr>
+          <a:lstStyle/>
+          <a:p>
+            <a:r>
+              <a:rPr lang="it-IT" sz="4200"/>
+              <a:t>Recupero in locale del repository remoto:</a:t>
+            </a:r>
+            <a:endParaRPr lang="it-IT" sz="4200" dirty="0"/>
+          </a:p>
+        </p:txBody>
+      </p:sp>
+      <p:sp>
+        <p:nvSpPr>
+          <p:cNvPr id="3" name="CasellaDiTesto 2">
+            <a:extLst>
+              <a:ext uri="{FF2B5EF4-FFF2-40B4-BE49-F238E27FC236}">
+                <a16:creationId xmlns:a16="http://schemas.microsoft.com/office/drawing/2014/main" id="{44CDA01A-D0C8-3C5A-FB28-9911403FB721}"/>
+              </a:ext>
+            </a:extLst>
+          </p:cNvPr>
+          <p:cNvSpPr txBox="1"/>
+          <p:nvPr/>
+        </p:nvSpPr>
+        <p:spPr>
+          <a:xfrm>
+            <a:off x="838199" y="1510748"/>
+            <a:ext cx="10422835" cy="1200329"/>
+          </a:xfrm>
+          <a:prstGeom prst="rect">
+            <a:avLst/>
+          </a:prstGeom>
+          <a:noFill/>
+        </p:spPr>
+        <p:txBody>
+          <a:bodyPr wrap="square" rtlCol="0">
+            <a:spAutoFit/>
+          </a:bodyPr>
+          <a:lstStyle/>
+          <a:p>
+            <a:r>
+              <a:rPr lang="it-IT" sz="2400" dirty="0"/>
+              <a:t>Comando «</a:t>
+            </a:r>
+            <a:r>
+              <a:rPr lang="it-IT" sz="2400" dirty="0" err="1"/>
+              <a:t>git</a:t>
+            </a:r>
+            <a:r>
+              <a:rPr lang="it-IT" sz="2400" dirty="0"/>
+              <a:t> pull </a:t>
+            </a:r>
+            <a:r>
+              <a:rPr lang="it-IT" sz="2400" dirty="0" err="1"/>
+              <a:t>origin</a:t>
+            </a:r>
+            <a:r>
+              <a:rPr lang="it-IT" sz="2400" dirty="0"/>
+              <a:t> </a:t>
+            </a:r>
+            <a:r>
+              <a:rPr lang="it-IT" sz="2400" dirty="0" err="1"/>
+              <a:t>main</a:t>
+            </a:r>
+            <a:r>
+              <a:rPr lang="it-IT" sz="2400" dirty="0"/>
+              <a:t>»</a:t>
+            </a:r>
+          </a:p>
+          <a:p>
+            <a:r>
+              <a:rPr lang="it-IT" sz="2400" dirty="0"/>
+              <a:t> serve per aggiornare il repository locale, recuperando le modifiche da quello remoto.</a:t>
+            </a:r>
+          </a:p>
+        </p:txBody>
+      </p:sp>
+      <p:pic>
+        <p:nvPicPr>
+          <p:cNvPr id="4" name="Immagine 3">
+            <a:extLst>
+              <a:ext uri="{FF2B5EF4-FFF2-40B4-BE49-F238E27FC236}">
+                <a16:creationId xmlns:a16="http://schemas.microsoft.com/office/drawing/2014/main" id="{CABE9798-42F0-0A5B-345A-0B7E82C8AFFB}"/>
+              </a:ext>
+            </a:extLst>
+          </p:cNvPr>
+          <p:cNvPicPr>
+            <a:picLocks noChangeAspect="1"/>
+          </p:cNvPicPr>
+          <p:nvPr/>
+        </p:nvPicPr>
+        <p:blipFill>
+          <a:blip r:embed="rId2"/>
+          <a:stretch>
+            <a:fillRect/>
+          </a:stretch>
+        </p:blipFill>
+        <p:spPr>
+          <a:xfrm>
+            <a:off x="1631450" y="2966466"/>
+            <a:ext cx="7772400" cy="263649"/>
+          </a:xfrm>
+          <a:prstGeom prst="rect">
+            <a:avLst/>
+          </a:prstGeom>
+        </p:spPr>
+      </p:pic>
+    </p:spTree>
+    <p:extLst>
+      <p:ext uri="{BB962C8B-B14F-4D97-AF65-F5344CB8AC3E}">
+        <p14:creationId xmlns:p14="http://schemas.microsoft.com/office/powerpoint/2010/main" val="1378532663"/>
+      </p:ext>
+    </p:extLst>
+  </p:cSld>
+  <p:clrMapOvr>
+    <a:masterClrMapping/>
+  </p:clrMapOvr>
+</p:sld>
+</file>
+
+<file path=ppt/slides/slide7.xml><?xml version="1.0" encoding="utf-8"?>
+<p:sld xmlns:a="http://schemas.openxmlformats.org/drawingml/2006/main" xmlns:r="http://schemas.openxmlformats.org/officeDocument/2006/relationships" xmlns:p="http://schemas.openxmlformats.org/presentationml/2006/main">
+  <p:cSld>
+    <p:spTree>
+      <p:nvGrpSpPr>
+        <p:cNvPr id="1" name=""/>
+        <p:cNvGrpSpPr/>
+        <p:nvPr/>
+      </p:nvGrpSpPr>
+      <p:grpSpPr>
+        <a:xfrm>
+          <a:off x="0" y="0"/>
+          <a:ext cx="0" cy="0"/>
+          <a:chOff x="0" y="0"/>
+          <a:chExt cx="0" cy="0"/>
+        </a:xfrm>
+      </p:grpSpPr>
+      <p:sp>
+        <p:nvSpPr>
+          <p:cNvPr id="2" name="Titolo 1">
+            <a:extLst>
+              <a:ext uri="{FF2B5EF4-FFF2-40B4-BE49-F238E27FC236}">
+                <a16:creationId xmlns:a16="http://schemas.microsoft.com/office/drawing/2014/main" id="{D5BEE0DC-DF91-E846-AB9A-B3E8BE743D75}"/>
+              </a:ext>
+            </a:extLst>
+          </p:cNvPr>
+          <p:cNvSpPr>
+            <a:spLocks noGrp="1"/>
+          </p:cNvSpPr>
+          <p:nvPr>
+            <p:ph type="title"/>
+          </p:nvPr>
+        </p:nvSpPr>
+        <p:spPr/>
+        <p:txBody>
+          <a:bodyPr>
+            <a:normAutofit/>
+          </a:bodyPr>
+          <a:lstStyle/>
+          <a:p>
+            <a:r>
+              <a:rPr lang="it-IT" sz="4200" dirty="0"/>
+              <a:t>Clonazione di un repository remoto:</a:t>
+            </a:r>
+          </a:p>
+        </p:txBody>
+      </p:sp>
+      <p:pic>
+        <p:nvPicPr>
+          <p:cNvPr id="3" name="Immagine 2">
+            <a:extLst>
+              <a:ext uri="{FF2B5EF4-FFF2-40B4-BE49-F238E27FC236}">
+                <a16:creationId xmlns:a16="http://schemas.microsoft.com/office/drawing/2014/main" id="{7B1E9149-32A3-E055-ACAE-CF7B49A2783F}"/>
+              </a:ext>
+            </a:extLst>
+          </p:cNvPr>
+          <p:cNvPicPr>
+            <a:picLocks noChangeAspect="1"/>
+          </p:cNvPicPr>
+          <p:nvPr/>
+        </p:nvPicPr>
+        <p:blipFill>
+          <a:blip r:embed="rId2"/>
+          <a:stretch>
+            <a:fillRect/>
+          </a:stretch>
+        </p:blipFill>
+        <p:spPr>
+          <a:xfrm>
+            <a:off x="1473230" y="2726384"/>
+            <a:ext cx="8880285" cy="226623"/>
+          </a:xfrm>
+          <a:prstGeom prst="rect">
+            <a:avLst/>
+          </a:prstGeom>
+        </p:spPr>
+      </p:pic>
+      <p:sp>
+        <p:nvSpPr>
+          <p:cNvPr id="4" name="CasellaDiTesto 3">
+            <a:extLst>
+              <a:ext uri="{FF2B5EF4-FFF2-40B4-BE49-F238E27FC236}">
+                <a16:creationId xmlns:a16="http://schemas.microsoft.com/office/drawing/2014/main" id="{2097C3B5-7EC2-7827-8DF1-B010E8049970}"/>
+              </a:ext>
+            </a:extLst>
+          </p:cNvPr>
+          <p:cNvSpPr txBox="1"/>
+          <p:nvPr/>
+        </p:nvSpPr>
+        <p:spPr>
+          <a:xfrm>
+            <a:off x="925727" y="1631324"/>
+            <a:ext cx="10340546" cy="1107996"/>
+          </a:xfrm>
+          <a:prstGeom prst="rect">
+            <a:avLst/>
+          </a:prstGeom>
+          <a:noFill/>
+        </p:spPr>
+        <p:txBody>
+          <a:bodyPr wrap="square" rtlCol="0">
+            <a:spAutoFit/>
+          </a:bodyPr>
+          <a:lstStyle/>
+          <a:p>
+            <a:r>
+              <a:rPr lang="it-IT" sz="2400" dirty="0"/>
+              <a:t>Comando «</a:t>
+            </a:r>
+            <a:r>
+              <a:rPr lang="it-IT" sz="2400" dirty="0" err="1"/>
+              <a:t>git</a:t>
+            </a:r>
+            <a:r>
+              <a:rPr lang="it-IT" sz="2400" dirty="0"/>
+              <a:t> clone </a:t>
+            </a:r>
+            <a:r>
+              <a:rPr lang="it-IT" sz="2400" dirty="0">
+                <a:hlinkClick r:id="rId3"/>
+              </a:rPr>
+              <a:t>https://github.com/username/progetto.git</a:t>
+            </a:r>
+            <a:r>
+              <a:rPr lang="it-IT" sz="2400" dirty="0"/>
+              <a:t>» (URL del repository): serve per clonare un repository remoto in una posizione locale.</a:t>
+            </a:r>
+          </a:p>
+          <a:p>
+            <a:endParaRPr lang="it-IT" dirty="0"/>
+          </a:p>
+        </p:txBody>
+      </p:sp>
+    </p:spTree>
+    <p:extLst>
+      <p:ext uri="{BB962C8B-B14F-4D97-AF65-F5344CB8AC3E}">
+        <p14:creationId xmlns:p14="http://schemas.microsoft.com/office/powerpoint/2010/main" val="1962553552"/>
+      </p:ext>
+    </p:extLst>
+  </p:cSld>
+  <p:clrMapOvr>
+    <a:masterClrMapping/>
+  </p:clrMapOvr>
+</p:sld>
+</file>
+
+<file path=ppt/slides/slide8.xml><?xml version="1.0" encoding="utf-8"?>
+<p:sld xmlns:a="http://schemas.openxmlformats.org/drawingml/2006/main" xmlns:r="http://schemas.openxmlformats.org/officeDocument/2006/relationships" xmlns:p="http://schemas.openxmlformats.org/presentationml/2006/main">
+  <p:cSld>
+    <p:spTree>
+      <p:nvGrpSpPr>
+        <p:cNvPr id="1" name=""/>
+        <p:cNvGrpSpPr/>
+        <p:nvPr/>
+      </p:nvGrpSpPr>
+      <p:grpSpPr>
+        <a:xfrm>
+          <a:off x="0" y="0"/>
+          <a:ext cx="0" cy="0"/>
+          <a:chOff x="0" y="0"/>
+          <a:chExt cx="0" cy="0"/>
+        </a:xfrm>
+      </p:grpSpPr>
+      <p:sp>
+        <p:nvSpPr>
+          <p:cNvPr id="2" name="Titolo 1">
+            <a:extLst>
+              <a:ext uri="{FF2B5EF4-FFF2-40B4-BE49-F238E27FC236}">
+                <a16:creationId xmlns:a16="http://schemas.microsoft.com/office/drawing/2014/main" id="{CFE68EEF-83CB-3F60-7FE9-CED93D3466C7}"/>
+              </a:ext>
+            </a:extLst>
+          </p:cNvPr>
+          <p:cNvSpPr>
+            <a:spLocks noGrp="1"/>
+          </p:cNvSpPr>
+          <p:nvPr>
+            <p:ph type="title"/>
+          </p:nvPr>
+        </p:nvSpPr>
+        <p:spPr/>
+        <p:txBody>
+          <a:bodyPr>
+            <a:normAutofit/>
+          </a:bodyPr>
+          <a:lstStyle/>
+          <a:p>
+            <a:r>
+              <a:rPr lang="it-IT" sz="4200"/>
+              <a:t>Gestione del file .gitignore:</a:t>
+            </a:r>
+            <a:endParaRPr lang="it-IT" sz="4200" dirty="0"/>
+          </a:p>
+        </p:txBody>
+      </p:sp>
+      <p:sp>
+        <p:nvSpPr>
+          <p:cNvPr id="3" name="CasellaDiTesto 2">
+            <a:extLst>
+              <a:ext uri="{FF2B5EF4-FFF2-40B4-BE49-F238E27FC236}">
+                <a16:creationId xmlns:a16="http://schemas.microsoft.com/office/drawing/2014/main" id="{65AB7D3B-5211-8AB7-5077-011231206678}"/>
+              </a:ext>
+            </a:extLst>
+          </p:cNvPr>
+          <p:cNvSpPr txBox="1"/>
+          <p:nvPr/>
+        </p:nvSpPr>
+        <p:spPr>
+          <a:xfrm>
+            <a:off x="838200" y="1500809"/>
+            <a:ext cx="10515600" cy="830997"/>
+          </a:xfrm>
+          <a:prstGeom prst="rect">
+            <a:avLst/>
+          </a:prstGeom>
+          <a:noFill/>
+        </p:spPr>
+        <p:txBody>
+          <a:bodyPr wrap="square" rtlCol="0">
+            <a:spAutoFit/>
+          </a:bodyPr>
+          <a:lstStyle/>
+          <a:p>
+            <a:r>
+              <a:rPr lang="it-IT" sz="2400" dirty="0"/>
+              <a:t>Il file «.</a:t>
+            </a:r>
+            <a:r>
+              <a:rPr lang="it-IT" sz="2400" dirty="0" err="1"/>
+              <a:t>gitignore</a:t>
+            </a:r>
+            <a:r>
+              <a:rPr lang="it-IT" sz="2400" dirty="0"/>
+              <a:t>» serve per indicare a </a:t>
+            </a:r>
+            <a:r>
+              <a:rPr lang="it-IT" sz="2400" dirty="0" err="1"/>
+              <a:t>git</a:t>
+            </a:r>
+            <a:r>
+              <a:rPr lang="it-IT" sz="2400" dirty="0"/>
+              <a:t> di non caricare nel repository remoto file o percorsi elencati.</a:t>
+            </a:r>
+          </a:p>
+        </p:txBody>
+      </p:sp>
+      <p:pic>
+        <p:nvPicPr>
+          <p:cNvPr id="6" name="Immagine 5">
+            <a:extLst>
+              <a:ext uri="{FF2B5EF4-FFF2-40B4-BE49-F238E27FC236}">
+                <a16:creationId xmlns:a16="http://schemas.microsoft.com/office/drawing/2014/main" id="{B0FF49F1-822D-8746-27CA-05FF4B320506}"/>
+              </a:ext>
+            </a:extLst>
+          </p:cNvPr>
+          <p:cNvPicPr>
+            <a:picLocks noChangeAspect="1"/>
+          </p:cNvPicPr>
+          <p:nvPr/>
+        </p:nvPicPr>
+        <p:blipFill>
+          <a:blip r:embed="rId2"/>
+          <a:stretch>
+            <a:fillRect/>
+          </a:stretch>
+        </p:blipFill>
+        <p:spPr>
+          <a:xfrm>
+            <a:off x="2209800" y="2582266"/>
+            <a:ext cx="7772400" cy="2071155"/>
+          </a:xfrm>
+          <a:prstGeom prst="rect">
+            <a:avLst/>
+          </a:prstGeom>
+        </p:spPr>
+      </p:pic>
+    </p:spTree>
+    <p:extLst>
+      <p:ext uri="{BB962C8B-B14F-4D97-AF65-F5344CB8AC3E}">
+        <p14:creationId xmlns:p14="http://schemas.microsoft.com/office/powerpoint/2010/main" val="2464664139"/>
+      </p:ext>
+    </p:extLst>
+  </p:cSld>
+  <p:clrMapOvr>
+    <a:masterClrMapping/>
+  </p:clrMapOvr>
+</p:sld>
+</file>
+
+<file path=ppt/slides/slide9.xml><?xml version="1.0" encoding="utf-8"?>
+<p:sld xmlns:a="http://schemas.openxmlformats.org/drawingml/2006/main" xmlns:r="http://schemas.openxmlformats.org/officeDocument/2006/relationships" xmlns:p="http://schemas.openxmlformats.org/presentationml/2006/main">
+  <p:cSld>
+    <p:spTree>
+      <p:nvGrpSpPr>
+        <p:cNvPr id="1" name=""/>
+        <p:cNvGrpSpPr/>
+        <p:nvPr/>
+      </p:nvGrpSpPr>
+      <p:grpSpPr>
+        <a:xfrm>
+          <a:off x="0" y="0"/>
+          <a:ext cx="0" cy="0"/>
+          <a:chOff x="0" y="0"/>
+          <a:chExt cx="0" cy="0"/>
+        </a:xfrm>
+      </p:grpSpPr>
+      <p:sp>
+        <p:nvSpPr>
+          <p:cNvPr id="2" name="Titolo 1">
+            <a:extLst>
+              <a:ext uri="{FF2B5EF4-FFF2-40B4-BE49-F238E27FC236}">
+                <a16:creationId xmlns:a16="http://schemas.microsoft.com/office/drawing/2014/main" id="{14114B13-AC29-72DA-4A20-3150A1B937DF}"/>
+              </a:ext>
+            </a:extLst>
+          </p:cNvPr>
+          <p:cNvSpPr>
+            <a:spLocks noGrp="1"/>
+          </p:cNvSpPr>
+          <p:nvPr>
+            <p:ph type="title"/>
+          </p:nvPr>
+        </p:nvSpPr>
+        <p:spPr/>
+        <p:txBody>
+          <a:bodyPr>
+            <a:normAutofit/>
+          </a:bodyPr>
+          <a:lstStyle/>
+          <a:p>
+            <a:r>
+              <a:rPr lang="it-IT" sz="4200" dirty="0"/>
+              <a:t>Utilizzo del comando </a:t>
+            </a:r>
+            <a:r>
+              <a:rPr lang="it-IT" sz="4200" dirty="0" err="1"/>
+              <a:t>git</a:t>
+            </a:r>
+            <a:r>
+              <a:rPr lang="it-IT" sz="4200" dirty="0"/>
+              <a:t> status:</a:t>
+            </a:r>
+          </a:p>
+        </p:txBody>
+      </p:sp>
+      <p:pic>
+        <p:nvPicPr>
+          <p:cNvPr id="3" name="Immagine 2">
+            <a:extLst>
+              <a:ext uri="{FF2B5EF4-FFF2-40B4-BE49-F238E27FC236}">
+                <a16:creationId xmlns:a16="http://schemas.microsoft.com/office/drawing/2014/main" id="{646AB0B1-02F1-3289-8FFA-73D89B1B6D7B}"/>
+              </a:ext>
+            </a:extLst>
+          </p:cNvPr>
+          <p:cNvPicPr>
+            <a:picLocks noChangeAspect="1"/>
+          </p:cNvPicPr>
+          <p:nvPr/>
+        </p:nvPicPr>
+        <p:blipFill>
+          <a:blip r:embed="rId2"/>
+          <a:stretch>
+            <a:fillRect/>
+          </a:stretch>
+        </p:blipFill>
+        <p:spPr>
+          <a:xfrm>
+            <a:off x="2086233" y="2845760"/>
+            <a:ext cx="7772400" cy="1685464"/>
+          </a:xfrm>
+          <a:prstGeom prst="rect">
+            <a:avLst/>
+          </a:prstGeom>
+        </p:spPr>
+      </p:pic>
+      <p:sp>
+        <p:nvSpPr>
+          <p:cNvPr id="4" name="CasellaDiTesto 3">
+            <a:extLst>
+              <a:ext uri="{FF2B5EF4-FFF2-40B4-BE49-F238E27FC236}">
+                <a16:creationId xmlns:a16="http://schemas.microsoft.com/office/drawing/2014/main" id="{CC5BC65D-8948-4ABC-322E-CE27CBC412A7}"/>
+              </a:ext>
+            </a:extLst>
+          </p:cNvPr>
+          <p:cNvSpPr txBox="1"/>
+          <p:nvPr/>
+        </p:nvSpPr>
+        <p:spPr>
+          <a:xfrm>
+            <a:off x="838200" y="1544595"/>
+            <a:ext cx="10515600" cy="1200329"/>
+          </a:xfrm>
+          <a:prstGeom prst="rect">
+            <a:avLst/>
+          </a:prstGeom>
+          <a:noFill/>
+        </p:spPr>
+        <p:txBody>
+          <a:bodyPr wrap="square" rtlCol="0">
+            <a:spAutoFit/>
+          </a:bodyPr>
+          <a:lstStyle/>
+          <a:p>
+            <a:r>
+              <a:rPr lang="it-IT" sz="2400" dirty="0"/>
+              <a:t>Il comando «</a:t>
+            </a:r>
+            <a:r>
+              <a:rPr lang="it-IT" sz="2400" dirty="0" err="1"/>
+              <a:t>git</a:t>
+            </a:r>
+            <a:r>
+              <a:rPr lang="it-IT" sz="2400"/>
+              <a:t> status» </a:t>
+            </a:r>
+            <a:r>
+              <a:rPr lang="it-IT" sz="2400" dirty="0"/>
+              <a:t>mostra lo stato attuale del repository: permette di vedere le modifiche effettuate nel repository locale e non ancora allineate con il repository remoto (file aggiunti/cancellati/modificati).</a:t>
+            </a:r>
+          </a:p>
+        </p:txBody>
+      </p:sp>
+    </p:spTree>
+    <p:extLst>
+      <p:ext uri="{BB962C8B-B14F-4D97-AF65-F5344CB8AC3E}">
+        <p14:creationId xmlns:p14="http://schemas.microsoft.com/office/powerpoint/2010/main" val="1155969414"/>
       </p:ext>
     </p:extLst>
   </p:cSld>
